--- a/Aviation Analysis.pptx
+++ b/Aviation Analysis.pptx
@@ -539,7 +539,7 @@
           <a:bodyPr/>
           <a:lstStyle/>
           <a:p>
-            <a:endParaRPr lang="en-GB"/>
+            <a:endParaRPr lang="en-GB" dirty="0"/>
           </a:p>
         </p:txBody>
       </p:sp>

--- a/Aviation Analysis.pptx
+++ b/Aviation Analysis.pptx
@@ -5,7 +5,7 @@
     <p:sldMasterId id="2147483687" r:id="rId4"/>
   </p:sldMasterIdLst>
   <p:notesMasterIdLst>
-    <p:notesMasterId r:id="rId36"/>
+    <p:notesMasterId r:id="rId27"/>
   </p:notesMasterIdLst>
   <p:sldIdLst>
     <p:sldId id="298" r:id="rId5"/>
@@ -19,26 +19,17 @@
     <p:sldId id="306" r:id="rId13"/>
     <p:sldId id="307" r:id="rId14"/>
     <p:sldId id="308" r:id="rId15"/>
-    <p:sldId id="309" r:id="rId16"/>
-    <p:sldId id="310" r:id="rId17"/>
-    <p:sldId id="311" r:id="rId18"/>
-    <p:sldId id="312" r:id="rId19"/>
-    <p:sldId id="313" r:id="rId20"/>
-    <p:sldId id="314" r:id="rId21"/>
-    <p:sldId id="315" r:id="rId22"/>
-    <p:sldId id="316" r:id="rId23"/>
-    <p:sldId id="317" r:id="rId24"/>
-    <p:sldId id="318" r:id="rId25"/>
-    <p:sldId id="319" r:id="rId26"/>
-    <p:sldId id="320" r:id="rId27"/>
-    <p:sldId id="321" r:id="rId28"/>
-    <p:sldId id="322" r:id="rId29"/>
-    <p:sldId id="323" r:id="rId30"/>
-    <p:sldId id="324" r:id="rId31"/>
-    <p:sldId id="325" r:id="rId32"/>
-    <p:sldId id="326" r:id="rId33"/>
-    <p:sldId id="327" r:id="rId34"/>
-    <p:sldId id="328" r:id="rId35"/>
+    <p:sldId id="310" r:id="rId16"/>
+    <p:sldId id="312" r:id="rId17"/>
+    <p:sldId id="314" r:id="rId18"/>
+    <p:sldId id="316" r:id="rId19"/>
+    <p:sldId id="318" r:id="rId20"/>
+    <p:sldId id="320" r:id="rId21"/>
+    <p:sldId id="322" r:id="rId22"/>
+    <p:sldId id="324" r:id="rId23"/>
+    <p:sldId id="326" r:id="rId24"/>
+    <p:sldId id="327" r:id="rId25"/>
+    <p:sldId id="328" r:id="rId26"/>
   </p:sldIdLst>
   <p:sldSz cx="12192000" cy="6858000"/>
   <p:notesSz cx="6858000" cy="9144000"/>
@@ -227,7 +218,7 @@
           <a:p>
             <a:fld id="{C21C748C-FF7E-4F83-85C7-390C56BDDEF7}" type="datetimeFigureOut">
               <a:rPr lang="en-GB" smtClean="0"/>
-              <a:t>25/09/2024</a:t>
+              <a:t>26/09/2024</a:t>
             </a:fld>
             <a:endParaRPr lang="en-GB"/>
           </a:p>
@@ -712,7 +703,7 @@
           <a:p>
             <a:fld id="{9184DA70-C731-4C70-880D-CCD4705E623C}" type="datetime1">
               <a:rPr lang="en-US" smtClean="0"/>
-              <a:t>9/25/2024</a:t>
+              <a:t>9/26/2024</a:t>
             </a:fld>
             <a:endParaRPr lang="en-US" dirty="0"/>
           </a:p>
@@ -999,7 +990,7 @@
           <a:p>
             <a:fld id="{62D6E202-B606-4609-B914-27C9371A1F6D}" type="datetime1">
               <a:rPr lang="en-US" smtClean="0"/>
-              <a:t>9/25/2024</a:t>
+              <a:t>9/26/2024</a:t>
             </a:fld>
             <a:endParaRPr lang="en-US" dirty="0"/>
           </a:p>
@@ -1192,7 +1183,7 @@
           <a:p>
             <a:fld id="{62D6E202-B606-4609-B914-27C9371A1F6D}" type="datetime1">
               <a:rPr lang="en-US" smtClean="0"/>
-              <a:t>9/25/2024</a:t>
+              <a:t>9/26/2024</a:t>
             </a:fld>
             <a:endParaRPr lang="en-US" dirty="0"/>
           </a:p>
@@ -1454,7 +1445,7 @@
           <a:p>
             <a:fld id="{62D6E202-B606-4609-B914-27C9371A1F6D}" type="datetime1">
               <a:rPr lang="en-US" smtClean="0"/>
-              <a:t>9/25/2024</a:t>
+              <a:t>9/26/2024</a:t>
             </a:fld>
             <a:endParaRPr lang="en-US" dirty="0"/>
           </a:p>
@@ -1879,7 +1870,7 @@
           <a:p>
             <a:fld id="{62D6E202-B606-4609-B914-27C9371A1F6D}" type="datetime1">
               <a:rPr lang="en-US" smtClean="0"/>
-              <a:t>9/25/2024</a:t>
+              <a:t>9/26/2024</a:t>
             </a:fld>
             <a:endParaRPr lang="en-US" dirty="0"/>
           </a:p>
@@ -2426,7 +2417,7 @@
           <a:p>
             <a:fld id="{62D6E202-B606-4609-B914-27C9371A1F6D}" type="datetime1">
               <a:rPr lang="en-US" smtClean="0"/>
-              <a:t>9/25/2024</a:t>
+              <a:t>9/26/2024</a:t>
             </a:fld>
             <a:endParaRPr lang="en-US" dirty="0"/>
           </a:p>
@@ -3267,7 +3258,7 @@
           <a:p>
             <a:fld id="{62D6E202-B606-4609-B914-27C9371A1F6D}" type="datetime1">
               <a:rPr lang="en-US" smtClean="0"/>
-              <a:t>9/25/2024</a:t>
+              <a:t>9/26/2024</a:t>
             </a:fld>
             <a:endParaRPr lang="en-US" dirty="0"/>
           </a:p>
@@ -3438,7 +3429,7 @@
           <a:p>
             <a:fld id="{62D6E202-B606-4609-B914-27C9371A1F6D}" type="datetime1">
               <a:rPr lang="en-US" smtClean="0"/>
-              <a:t>9/25/2024</a:t>
+              <a:t>9/26/2024</a:t>
             </a:fld>
             <a:endParaRPr lang="en-US" dirty="0"/>
           </a:p>
@@ -3623,7 +3614,7 @@
           <a:p>
             <a:fld id="{62D6E202-B606-4609-B914-27C9371A1F6D}" type="datetime1">
               <a:rPr lang="en-US" smtClean="0"/>
-              <a:t>9/25/2024</a:t>
+              <a:t>9/26/2024</a:t>
             </a:fld>
             <a:endParaRPr lang="en-US" dirty="0"/>
           </a:p>
@@ -3794,7 +3785,7 @@
           <a:p>
             <a:fld id="{4BE1D723-8F53-4F53-90B0-1982A396982E}" type="datetime1">
               <a:rPr lang="en-US" smtClean="0"/>
-              <a:t>9/25/2024</a:t>
+              <a:t>9/26/2024</a:t>
             </a:fld>
             <a:endParaRPr lang="en-US" dirty="0"/>
           </a:p>
@@ -4042,7 +4033,7 @@
           <a:p>
             <a:fld id="{97669AF7-7BEB-44E4-9852-375E34362B5B}" type="datetime1">
               <a:rPr lang="en-US" smtClean="0"/>
-              <a:t>9/25/2024</a:t>
+              <a:t>9/26/2024</a:t>
             </a:fld>
             <a:endParaRPr lang="en-US" dirty="0"/>
           </a:p>
@@ -4279,7 +4270,7 @@
           <a:p>
             <a:fld id="{BAAAC38D-0552-4C82-B593-E6124DFADBE2}" type="datetime1">
               <a:rPr lang="en-US" smtClean="0"/>
-              <a:t>9/25/2024</a:t>
+              <a:t>9/26/2024</a:t>
             </a:fld>
             <a:endParaRPr lang="en-US" dirty="0"/>
           </a:p>
@@ -4652,7 +4643,7 @@
           <a:p>
             <a:fld id="{D9DF0F1C-5577-4ACB-BB62-DF8F3C494C7E}" type="datetime1">
               <a:rPr lang="en-US" smtClean="0"/>
-              <a:t>9/25/2024</a:t>
+              <a:t>9/26/2024</a:t>
             </a:fld>
             <a:endParaRPr lang="en-US" dirty="0"/>
           </a:p>
@@ -4770,7 +4761,7 @@
           <a:p>
             <a:fld id="{1775B394-D9F9-4F0C-B15D-605F45CB9E9F}" type="datetime1">
               <a:rPr lang="en-US" smtClean="0"/>
-              <a:t>9/25/2024</a:t>
+              <a:t>9/26/2024</a:t>
             </a:fld>
             <a:endParaRPr lang="en-US" dirty="0"/>
           </a:p>
@@ -4865,7 +4856,7 @@
           <a:p>
             <a:fld id="{39667345-2558-425A-8533-9BFDBCE15005}" type="datetime1">
               <a:rPr lang="en-US" smtClean="0"/>
-              <a:t>9/25/2024</a:t>
+              <a:t>9/26/2024</a:t>
             </a:fld>
             <a:endParaRPr lang="en-US" dirty="0"/>
           </a:p>
@@ -5116,7 +5107,7 @@
           <a:p>
             <a:fld id="{92BEA474-078D-4E9B-9B14-09A87B19DC46}" type="datetime1">
               <a:rPr lang="en-US" smtClean="0"/>
-              <a:t>9/25/2024</a:t>
+              <a:t>9/26/2024</a:t>
             </a:fld>
             <a:endParaRPr lang="en-US" dirty="0"/>
           </a:p>
@@ -5404,7 +5395,7 @@
           <a:p>
             <a:fld id="{4907D986-8816-4272-A432-0437A28A9828}" type="datetime1">
               <a:rPr lang="en-US" smtClean="0"/>
-              <a:t>9/25/2024</a:t>
+              <a:t>9/26/2024</a:t>
             </a:fld>
             <a:endParaRPr lang="en-US" dirty="0"/>
           </a:p>
@@ -5618,7 +5609,7 @@
           <a:p>
             <a:fld id="{62D6E202-B606-4609-B914-27C9371A1F6D}" type="datetime1">
               <a:rPr lang="en-US" smtClean="0"/>
-              <a:t>9/25/2024</a:t>
+              <a:t>9/26/2024</a:t>
             </a:fld>
             <a:endParaRPr lang="en-US" dirty="0"/>
           </a:p>
@@ -6335,7 +6326,6 @@
               <a:rPr lang="en-GB" dirty="0"/>
               <a:t>an important principle that accurately summarizes the data without introducing bias.</a:t>
             </a:r>
-            <a:endParaRPr lang="en-GB" dirty="0"/>
           </a:p>
         </p:txBody>
       </p:sp>
@@ -6451,13 +6441,53 @@
         <p:spPr>
           <a:xfrm>
             <a:off x="669303" y="1408935"/>
-            <a:ext cx="8983743" cy="5246387"/>
+            <a:ext cx="6933693" cy="4049185"/>
           </a:xfrm>
           <a:prstGeom prst="rect">
             <a:avLst/>
           </a:prstGeom>
         </p:spPr>
       </p:pic>
+      <p:sp>
+        <p:nvSpPr>
+          <p:cNvPr id="6" name="TextBox 5"/>
+          <p:cNvSpPr txBox="1"/>
+          <p:nvPr/>
+        </p:nvSpPr>
+        <p:spPr>
+          <a:xfrm>
+            <a:off x="7739406" y="1498862"/>
+            <a:ext cx="4336330" cy="923330"/>
+          </a:xfrm>
+          <a:prstGeom prst="rect">
+            <a:avLst/>
+          </a:prstGeom>
+          <a:noFill/>
+        </p:spPr>
+        <p:txBody>
+          <a:bodyPr wrap="square" rtlCol="0">
+            <a:spAutoFit/>
+          </a:bodyPr>
+          <a:lstStyle/>
+          <a:p>
+            <a:r>
+              <a:rPr lang="en-GB" dirty="0"/>
+              <a:t>From </a:t>
+            </a:r>
+            <a:r>
+              <a:rPr lang="en-GB" dirty="0" smtClean="0"/>
+              <a:t>this we </a:t>
+            </a:r>
+            <a:r>
+              <a:rPr lang="en-GB" dirty="0"/>
+              <a:t>can conclude that most of the accidents occur when landing</a:t>
+            </a:r>
+          </a:p>
+          <a:p>
+            <a:endParaRPr lang="en-GB" dirty="0"/>
+          </a:p>
+        </p:txBody>
+      </p:sp>
     </p:spTree>
     <p:extLst>
       <p:ext uri="{BB962C8B-B14F-4D97-AF65-F5344CB8AC3E}">
@@ -6503,8 +6533,8 @@
         </p:nvSpPr>
         <p:spPr>
           <a:xfrm>
-            <a:off x="461913" y="339365"/>
-            <a:ext cx="6249972" cy="461665"/>
+            <a:off x="367644" y="480768"/>
+            <a:ext cx="11547835" cy="461665"/>
           </a:xfrm>
           <a:prstGeom prst="rect">
             <a:avLst/>
@@ -6518,13 +6548,41 @@
           <a:lstStyle/>
           <a:p>
             <a:r>
+              <a:rPr lang="en-GB" sz="2400" b="1" dirty="0"/>
+              <a:t>Number of Incidents per Make of Aircraft </a:t>
+            </a:r>
+            <a:r>
               <a:rPr lang="en-GB" sz="2400" b="1" dirty="0" smtClean="0"/>
-              <a:t>Observation</a:t>
+              <a:t> for the Top 20 aircraft Makes</a:t>
             </a:r>
             <a:endParaRPr lang="en-GB" sz="2400" b="1" dirty="0"/>
           </a:p>
         </p:txBody>
       </p:sp>
+      <p:pic>
+        <p:nvPicPr>
+          <p:cNvPr id="3" name="Picture 2"/>
+          <p:cNvPicPr>
+            <a:picLocks noChangeAspect="1"/>
+          </p:cNvPicPr>
+          <p:nvPr/>
+        </p:nvPicPr>
+        <p:blipFill>
+          <a:blip r:embed="rId2"/>
+          <a:stretch>
+            <a:fillRect/>
+          </a:stretch>
+        </p:blipFill>
+        <p:spPr>
+          <a:xfrm>
+            <a:off x="476361" y="942432"/>
+            <a:ext cx="6823157" cy="4110335"/>
+          </a:xfrm>
+          <a:prstGeom prst="rect">
+            <a:avLst/>
+          </a:prstGeom>
+        </p:spPr>
+      </p:pic>
       <p:sp>
         <p:nvSpPr>
           <p:cNvPr id="4" name="TextBox 3"/>
@@ -6533,8 +6591,8 @@
         </p:nvSpPr>
         <p:spPr>
           <a:xfrm>
-            <a:off x="716437" y="1659118"/>
-            <a:ext cx="9945278" cy="369332"/>
+            <a:off x="7418895" y="1168924"/>
+            <a:ext cx="4703975" cy="3416320"/>
           </a:xfrm>
           <a:prstGeom prst="rect">
             <a:avLst/>
@@ -6549,20 +6607,95 @@
           <a:p>
             <a:r>
               <a:rPr lang="en-GB" dirty="0" smtClean="0"/>
-              <a:t>From </a:t>
+              <a:t>From this we can conclude that :</a:t>
+            </a:r>
+          </a:p>
+          <a:p>
+            <a:pPr marL="285750" indent="-285750">
+              <a:buFont typeface="Arial" panose="020B0604020202020204" pitchFamily="34" charset="0"/>
+              <a:buChar char="•"/>
+            </a:pPr>
+            <a:r>
+              <a:rPr lang="en-GB" b="1" dirty="0" smtClean="0"/>
+              <a:t>Cessna</a:t>
             </a:r>
             <a:r>
               <a:rPr lang="en-GB" dirty="0"/>
-              <a:t>the above we can conclude that most of the </a:t>
-            </a:r>
-            <a:r>
-              <a:rPr lang="en-GB" dirty="0" smtClean="0"/>
-              <a:t>accidents </a:t>
+              <a:t> leads with </a:t>
+            </a:r>
+            <a:r>
+              <a:rPr lang="en-GB" b="1" dirty="0"/>
+              <a:t>27,212</a:t>
             </a:r>
             <a:r>
               <a:rPr lang="en-GB" dirty="0"/>
-              <a:t>occur when landing</a:t>
-            </a:r>
+              <a:t> incidents, reflecting its popularity in general aviation.</a:t>
+            </a:r>
+          </a:p>
+          <a:p>
+            <a:pPr marL="285750" indent="-285750">
+              <a:buFont typeface="Arial" panose="020B0604020202020204" pitchFamily="34" charset="0"/>
+              <a:buChar char="•"/>
+            </a:pPr>
+            <a:r>
+              <a:rPr lang="en-GB" b="1" dirty="0"/>
+              <a:t>Piper</a:t>
+            </a:r>
+            <a:r>
+              <a:rPr lang="en-GB" dirty="0"/>
+              <a:t> follows with </a:t>
+            </a:r>
+            <a:r>
+              <a:rPr lang="en-GB" b="1" dirty="0"/>
+              <a:t>14,870</a:t>
+            </a:r>
+            <a:r>
+              <a:rPr lang="en-GB" dirty="0"/>
+              <a:t> incidents, also common among pilots.</a:t>
+            </a:r>
+          </a:p>
+          <a:p>
+            <a:pPr marL="285750" indent="-285750">
+              <a:buFont typeface="Arial" panose="020B0604020202020204" pitchFamily="34" charset="0"/>
+              <a:buChar char="•"/>
+            </a:pPr>
+            <a:r>
+              <a:rPr lang="en-GB" b="1" dirty="0"/>
+              <a:t>Beech</a:t>
+            </a:r>
+            <a:r>
+              <a:rPr lang="en-GB" dirty="0"/>
+              <a:t> has </a:t>
+            </a:r>
+            <a:r>
+              <a:rPr lang="en-GB" b="1" dirty="0"/>
+              <a:t>5,372</a:t>
+            </a:r>
+            <a:r>
+              <a:rPr lang="en-GB" dirty="0"/>
+              <a:t> incidents, while </a:t>
+            </a:r>
+            <a:r>
+              <a:rPr lang="en-GB" b="1" dirty="0"/>
+              <a:t>Boeing</a:t>
+            </a:r>
+            <a:r>
+              <a:rPr lang="en-GB" dirty="0"/>
+              <a:t> reports </a:t>
+            </a:r>
+            <a:r>
+              <a:rPr lang="en-GB" b="1" dirty="0"/>
+              <a:t>2,745</a:t>
+            </a:r>
+            <a:r>
+              <a:rPr lang="en-GB" dirty="0"/>
+              <a:t>, indicating fewer incidents for larger commercial aircraft.</a:t>
+            </a:r>
+          </a:p>
+          <a:p>
+            <a:endParaRPr lang="en-GB" dirty="0"/>
+          </a:p>
+          <a:p>
             <a:endParaRPr lang="en-GB" dirty="0"/>
           </a:p>
         </p:txBody>
@@ -6570,7 +6703,7 @@
     </p:spTree>
     <p:extLst>
       <p:ext uri="{BB962C8B-B14F-4D97-AF65-F5344CB8AC3E}">
-        <p14:creationId xmlns:p14="http://schemas.microsoft.com/office/powerpoint/2010/main" val="162168033"/>
+        <p14:creationId xmlns:p14="http://schemas.microsoft.com/office/powerpoint/2010/main" val="2374590367"/>
       </p:ext>
     </p:extLst>
   </p:cSld>
@@ -6612,8 +6745,8 @@
         </p:nvSpPr>
         <p:spPr>
           <a:xfrm>
-            <a:off x="367644" y="480768"/>
-            <a:ext cx="11547835" cy="461665"/>
+            <a:off x="301658" y="433633"/>
+            <a:ext cx="11642103" cy="830997"/>
           </a:xfrm>
           <a:prstGeom prst="rect">
             <a:avLst/>
@@ -6628,11 +6761,11 @@
           <a:p>
             <a:r>
               <a:rPr lang="en-GB" sz="2400" b="1" dirty="0"/>
-              <a:t>Number of Incidents per Make of Aircraft </a:t>
+              <a:t>Scatter Plot to view the Correlation Between Number of Engines and Number of </a:t>
             </a:r>
             <a:r>
               <a:rPr lang="en-GB" sz="2400" b="1" dirty="0" smtClean="0"/>
-              <a:t> for the Top 20 aircraft Makes</a:t>
+              <a:t>Accidents</a:t>
             </a:r>
             <a:endParaRPr lang="en-GB" sz="2400" b="1" dirty="0"/>
           </a:p>
@@ -6640,7 +6773,7 @@
       </p:sp>
       <p:pic>
         <p:nvPicPr>
-          <p:cNvPr id="3" name="Picture 2"/>
+          <p:cNvPr id="4" name="Picture 3"/>
           <p:cNvPicPr>
             <a:picLocks noChangeAspect="1"/>
           </p:cNvPicPr>
@@ -6654,18 +6787,56 @@
         </p:blipFill>
         <p:spPr>
           <a:xfrm>
-            <a:off x="476361" y="942432"/>
-            <a:ext cx="9289808" cy="5596269"/>
+            <a:off x="301658" y="1337979"/>
+            <a:ext cx="6788080" cy="4101288"/>
           </a:xfrm>
           <a:prstGeom prst="rect">
             <a:avLst/>
           </a:prstGeom>
         </p:spPr>
       </p:pic>
+      <p:sp>
+        <p:nvSpPr>
+          <p:cNvPr id="3" name="TextBox 2"/>
+          <p:cNvSpPr txBox="1"/>
+          <p:nvPr/>
+        </p:nvSpPr>
+        <p:spPr>
+          <a:xfrm>
+            <a:off x="7173798" y="1337979"/>
+            <a:ext cx="4930218" cy="2031325"/>
+          </a:xfrm>
+          <a:prstGeom prst="rect">
+            <a:avLst/>
+          </a:prstGeom>
+          <a:noFill/>
+        </p:spPr>
+        <p:txBody>
+          <a:bodyPr wrap="square" rtlCol="0">
+            <a:spAutoFit/>
+          </a:bodyPr>
+          <a:lstStyle/>
+          <a:p>
+            <a:r>
+              <a:rPr lang="en-GB" dirty="0" smtClean="0"/>
+              <a:t>From this we can conclude that:</a:t>
+            </a:r>
+          </a:p>
+          <a:p>
+            <a:r>
+              <a:rPr lang="en-GB" dirty="0"/>
+              <a:t>Number of accidents decrease as the number of engines increases, which could be due to the fact that larger aircraft with more engines have more safety measures and are used in more controlled conditions.</a:t>
+            </a:r>
+          </a:p>
+          <a:p>
+            <a:endParaRPr lang="en-GB" dirty="0"/>
+          </a:p>
+        </p:txBody>
+      </p:sp>
     </p:spTree>
     <p:extLst>
       <p:ext uri="{BB962C8B-B14F-4D97-AF65-F5344CB8AC3E}">
-        <p14:creationId xmlns:p14="http://schemas.microsoft.com/office/powerpoint/2010/main" val="2374590367"/>
+        <p14:creationId xmlns:p14="http://schemas.microsoft.com/office/powerpoint/2010/main" val="991390904"/>
       </p:ext>
     </p:extLst>
   </p:cSld>
@@ -6707,8 +6878,8 @@
         </p:nvSpPr>
         <p:spPr>
           <a:xfrm>
-            <a:off x="867266" y="1989056"/>
-            <a:ext cx="10529740" cy="1477328"/>
+            <a:off x="461913" y="339365"/>
+            <a:ext cx="6249972" cy="461665"/>
           </a:xfrm>
           <a:prstGeom prst="rect">
             <a:avLst/>
@@ -6721,92 +6892,37 @@
           </a:bodyPr>
           <a:lstStyle/>
           <a:p>
-            <a:pPr marL="285750" indent="-285750">
-              <a:buFont typeface="Arial" panose="020B0604020202020204" pitchFamily="34" charset="0"/>
-              <a:buChar char="•"/>
-            </a:pPr>
-            <a:r>
-              <a:rPr lang="en-GB" b="1" dirty="0" smtClean="0"/>
-              <a:t>Cessna</a:t>
-            </a:r>
-            <a:r>
-              <a:rPr lang="en-GB" dirty="0"/>
-              <a:t> leads with </a:t>
-            </a:r>
-            <a:r>
-              <a:rPr lang="en-GB" b="1" dirty="0"/>
-              <a:t>27,212</a:t>
-            </a:r>
-            <a:r>
-              <a:rPr lang="en-GB" dirty="0"/>
-              <a:t> incidents, reflecting its popularity in general aviation.</a:t>
-            </a:r>
-          </a:p>
-          <a:p>
-            <a:pPr marL="285750" indent="-285750">
-              <a:buFont typeface="Arial" panose="020B0604020202020204" pitchFamily="34" charset="0"/>
-              <a:buChar char="•"/>
-            </a:pPr>
-            <a:r>
-              <a:rPr lang="en-GB" b="1" dirty="0"/>
-              <a:t>Piper</a:t>
-            </a:r>
-            <a:r>
-              <a:rPr lang="en-GB" dirty="0"/>
-              <a:t> follows with </a:t>
-            </a:r>
-            <a:r>
-              <a:rPr lang="en-GB" b="1" dirty="0"/>
-              <a:t>14,870</a:t>
-            </a:r>
-            <a:r>
-              <a:rPr lang="en-GB" dirty="0"/>
-              <a:t> incidents, also common among pilots.</a:t>
-            </a:r>
-          </a:p>
-          <a:p>
-            <a:pPr marL="285750" indent="-285750">
-              <a:buFont typeface="Arial" panose="020B0604020202020204" pitchFamily="34" charset="0"/>
-              <a:buChar char="•"/>
-            </a:pPr>
-            <a:r>
-              <a:rPr lang="en-GB" b="1" dirty="0"/>
-              <a:t>Beech</a:t>
-            </a:r>
-            <a:r>
-              <a:rPr lang="en-GB" dirty="0"/>
-              <a:t> has </a:t>
-            </a:r>
-            <a:r>
-              <a:rPr lang="en-GB" b="1" dirty="0"/>
-              <a:t>5,372</a:t>
-            </a:r>
-            <a:r>
-              <a:rPr lang="en-GB" dirty="0"/>
-              <a:t> incidents, while </a:t>
-            </a:r>
-            <a:r>
-              <a:rPr lang="en-GB" b="1" dirty="0"/>
-              <a:t>Boeing</a:t>
-            </a:r>
-            <a:r>
-              <a:rPr lang="en-GB" dirty="0"/>
-              <a:t> reports </a:t>
-            </a:r>
-            <a:r>
-              <a:rPr lang="en-GB" b="1" dirty="0"/>
-              <a:t>2,745</a:t>
-            </a:r>
-            <a:r>
-              <a:rPr lang="en-GB" dirty="0"/>
-              <a:t>, indicating fewer incidents for larger commercial aircraft.</a:t>
-            </a:r>
-          </a:p>
-          <a:p>
-            <a:endParaRPr lang="en-GB" dirty="0"/>
-          </a:p>
-        </p:txBody>
-      </p:sp>
+            <a:r>
+              <a:rPr lang="en-GB" sz="2400" b="1" dirty="0"/>
+              <a:t>Aircraft Damage Distribution</a:t>
+            </a:r>
+          </a:p>
+        </p:txBody>
+      </p:sp>
+      <p:pic>
+        <p:nvPicPr>
+          <p:cNvPr id="4" name="Picture 3"/>
+          <p:cNvPicPr>
+            <a:picLocks noChangeAspect="1"/>
+          </p:cNvPicPr>
+          <p:nvPr/>
+        </p:nvPicPr>
+        <p:blipFill>
+          <a:blip r:embed="rId2"/>
+          <a:stretch>
+            <a:fillRect/>
+          </a:stretch>
+        </p:blipFill>
+        <p:spPr>
+          <a:xfrm>
+            <a:off x="629480" y="846887"/>
+            <a:ext cx="7338575" cy="4149320"/>
+          </a:xfrm>
+          <a:prstGeom prst="rect">
+            <a:avLst/>
+          </a:prstGeom>
+        </p:spPr>
+      </p:pic>
       <p:sp>
         <p:nvSpPr>
           <p:cNvPr id="3" name="TextBox 2"/>
@@ -6815,8 +6931,8 @@
         </p:nvSpPr>
         <p:spPr>
           <a:xfrm>
-            <a:off x="791852" y="386499"/>
-            <a:ext cx="7513162" cy="461665"/>
+            <a:off x="8088198" y="942680"/>
+            <a:ext cx="3846136" cy="3139321"/>
           </a:xfrm>
           <a:prstGeom prst="rect">
             <a:avLst/>
@@ -6830,17 +6946,19 @@
           <a:lstStyle/>
           <a:p>
             <a:r>
-              <a:rPr lang="en-GB" sz="2400" b="1" dirty="0"/>
-              <a:t>Observation</a:t>
-            </a:r>
-            <a:endParaRPr lang="en-GB" sz="2400" dirty="0"/>
+              <a:rPr lang="en-GB" dirty="0"/>
+              <a:t>From the chart, it can be observed that the majority of accidents result in substantial damage to the aircraft. A smaller number of accidents lead to destroyed or minor damage. The category "Unknown" has a relatively low frequency, indicating that the extent of damage is often determined and reported.</a:t>
+            </a:r>
+          </a:p>
+          <a:p>
+            <a:endParaRPr lang="en-GB" dirty="0"/>
           </a:p>
         </p:txBody>
       </p:sp>
     </p:spTree>
     <p:extLst>
       <p:ext uri="{BB962C8B-B14F-4D97-AF65-F5344CB8AC3E}">
-        <p14:creationId xmlns:p14="http://schemas.microsoft.com/office/powerpoint/2010/main" val="2175124538"/>
+        <p14:creationId xmlns:p14="http://schemas.microsoft.com/office/powerpoint/2010/main" val="30428494"/>
       </p:ext>
     </p:extLst>
   </p:cSld>
@@ -6876,14 +6994,14 @@
       </p:grpSpPr>
       <p:sp>
         <p:nvSpPr>
-          <p:cNvPr id="2" name="TextBox 1"/>
+          <p:cNvPr id="3" name="TextBox 2"/>
           <p:cNvSpPr txBox="1"/>
           <p:nvPr/>
         </p:nvSpPr>
         <p:spPr>
           <a:xfrm>
-            <a:off x="301658" y="433633"/>
-            <a:ext cx="11642103" cy="830997"/>
+            <a:off x="461913" y="339365"/>
+            <a:ext cx="11340446" cy="830997"/>
           </a:xfrm>
           <a:prstGeom prst="rect">
             <a:avLst/>
@@ -6898,11 +7016,19 @@
           <a:p>
             <a:r>
               <a:rPr lang="en-GB" sz="2400" b="1" dirty="0"/>
-              <a:t>Scatter Plot to view the Correlation Between Number of Engines and Number of </a:t>
+              <a:t>Visualizing the Top 20 and Bottom 20 Planes Based on </a:t>
             </a:r>
             <a:r>
               <a:rPr lang="en-GB" sz="2400" b="1" dirty="0" smtClean="0"/>
-              <a:t>Accidents</a:t>
+              <a:t>Their Make Frequency and </a:t>
+            </a:r>
+            <a:r>
+              <a:rPr lang="en-GB" sz="2400" b="1" dirty="0"/>
+              <a:t>Their Injury </a:t>
+            </a:r>
+            <a:r>
+              <a:rPr lang="en-GB" sz="2400" b="1" dirty="0" smtClean="0"/>
+              <a:t>Severity</a:t>
             </a:r>
             <a:endParaRPr lang="en-GB" sz="2400" b="1" dirty="0"/>
           </a:p>
@@ -6910,7 +7036,7 @@
       </p:sp>
       <p:pic>
         <p:nvPicPr>
-          <p:cNvPr id="4" name="Picture 3"/>
+          <p:cNvPr id="5" name="Picture 4"/>
           <p:cNvPicPr>
             <a:picLocks noChangeAspect="1"/>
           </p:cNvPicPr>
@@ -6924,18 +7050,115 @@
         </p:blipFill>
         <p:spPr>
           <a:xfrm>
-            <a:off x="1247907" y="1451100"/>
-            <a:ext cx="8640381" cy="5220429"/>
+            <a:off x="168616" y="1283484"/>
+            <a:ext cx="6976901" cy="4903969"/>
           </a:xfrm>
           <a:prstGeom prst="rect">
             <a:avLst/>
           </a:prstGeom>
         </p:spPr>
       </p:pic>
+      <p:sp>
+        <p:nvSpPr>
+          <p:cNvPr id="2" name="TextBox 1"/>
+          <p:cNvSpPr txBox="1"/>
+          <p:nvPr/>
+        </p:nvSpPr>
+        <p:spPr>
+          <a:xfrm>
+            <a:off x="7220932" y="1442301"/>
+            <a:ext cx="4788816" cy="3693319"/>
+          </a:xfrm>
+          <a:prstGeom prst="rect">
+            <a:avLst/>
+          </a:prstGeom>
+          <a:noFill/>
+        </p:spPr>
+        <p:txBody>
+          <a:bodyPr wrap="square" rtlCol="0">
+            <a:spAutoFit/>
+          </a:bodyPr>
+          <a:lstStyle/>
+          <a:p>
+            <a:r>
+              <a:rPr lang="en-GB" dirty="0" smtClean="0"/>
+              <a:t>From this it can be observed that : </a:t>
+            </a:r>
+          </a:p>
+          <a:p>
+            <a:endParaRPr lang="en-GB" dirty="0" smtClean="0"/>
+          </a:p>
+          <a:p>
+            <a:pPr marL="342900" indent="-342900">
+              <a:buFont typeface="+mj-lt"/>
+              <a:buAutoNum type="arabicPeriod"/>
+            </a:pPr>
+            <a:r>
+              <a:rPr lang="en-GB" b="1" dirty="0" smtClean="0"/>
+              <a:t>Cessna</a:t>
+            </a:r>
+            <a:r>
+              <a:rPr lang="en-GB" dirty="0"/>
+              <a:t> and </a:t>
+            </a:r>
+            <a:r>
+              <a:rPr lang="en-GB" b="1" dirty="0"/>
+              <a:t>Piper</a:t>
+            </a:r>
+            <a:r>
+              <a:rPr lang="en-GB" dirty="0"/>
+              <a:t> are highly represented in the data set with most non-fatal incidents.</a:t>
+            </a:r>
+          </a:p>
+          <a:p>
+            <a:pPr marL="342900" indent="-342900">
+              <a:buFont typeface="+mj-lt"/>
+              <a:buAutoNum type="arabicPeriod"/>
+            </a:pPr>
+            <a:r>
+              <a:rPr lang="en-GB" dirty="0"/>
+              <a:t>For the least frequent planes, most incidents are reported as </a:t>
+            </a:r>
+            <a:r>
+              <a:rPr lang="en-GB" b="1" dirty="0"/>
+              <a:t>minor injuries</a:t>
+            </a:r>
+            <a:r>
+              <a:rPr lang="en-GB" dirty="0"/>
+              <a:t>.</a:t>
+            </a:r>
+          </a:p>
+          <a:p>
+            <a:pPr marL="342900" indent="-342900">
+              <a:buFont typeface="+mj-lt"/>
+              <a:buAutoNum type="arabicPeriod"/>
+            </a:pPr>
+            <a:r>
+              <a:rPr lang="en-GB" b="1" dirty="0"/>
+              <a:t>Fatalities</a:t>
+            </a:r>
+            <a:r>
+              <a:rPr lang="en-GB" dirty="0"/>
+              <a:t> are more prominent in frequently used aircraft, but </a:t>
+            </a:r>
+            <a:r>
+              <a:rPr lang="en-GB" b="1" dirty="0"/>
+              <a:t>minor injuries</a:t>
+            </a:r>
+            <a:r>
+              <a:rPr lang="en-GB" dirty="0"/>
+              <a:t> dominate in less common aircraft.</a:t>
+            </a:r>
+          </a:p>
+          <a:p>
+            <a:endParaRPr lang="en-GB" dirty="0"/>
+          </a:p>
+        </p:txBody>
+      </p:sp>
     </p:spTree>
     <p:extLst>
       <p:ext uri="{BB962C8B-B14F-4D97-AF65-F5344CB8AC3E}">
-        <p14:creationId xmlns:p14="http://schemas.microsoft.com/office/powerpoint/2010/main" val="991390904"/>
+        <p14:creationId xmlns:p14="http://schemas.microsoft.com/office/powerpoint/2010/main" val="1783070088"/>
       </p:ext>
     </p:extLst>
   </p:cSld>
@@ -6977,8 +7200,8 @@
         </p:nvSpPr>
         <p:spPr>
           <a:xfrm>
-            <a:off x="461913" y="339365"/>
-            <a:ext cx="6249972" cy="461665"/>
+            <a:off x="461912" y="339365"/>
+            <a:ext cx="10906813" cy="584775"/>
           </a:xfrm>
           <a:prstGeom prst="rect">
             <a:avLst/>
@@ -6992,13 +7215,60 @@
           <a:lstStyle/>
           <a:p>
             <a:r>
-              <a:rPr lang="en-GB" sz="2400" b="1" dirty="0" smtClean="0"/>
-              <a:t>Observation</a:t>
-            </a:r>
-            <a:endParaRPr lang="en-GB" sz="2400" b="1" dirty="0"/>
-          </a:p>
-        </p:txBody>
-      </p:sp>
+              <a:rPr lang="en-GB" sz="3200" b="1" dirty="0"/>
+              <a:t>Top 20 Aircraft Models by Number of Accidents</a:t>
+            </a:r>
+          </a:p>
+        </p:txBody>
+      </p:sp>
+      <p:pic>
+        <p:nvPicPr>
+          <p:cNvPr id="6" name="Picture 5"/>
+          <p:cNvPicPr>
+            <a:picLocks noChangeAspect="1"/>
+          </p:cNvPicPr>
+          <p:nvPr/>
+        </p:nvPicPr>
+        <p:blipFill>
+          <a:blip r:embed="rId2"/>
+          <a:stretch>
+            <a:fillRect/>
+          </a:stretch>
+        </p:blipFill>
+        <p:spPr>
+          <a:xfrm>
+            <a:off x="311083" y="1117770"/>
+            <a:ext cx="5744377" cy="4246082"/>
+          </a:xfrm>
+          <a:prstGeom prst="rect">
+            <a:avLst/>
+          </a:prstGeom>
+        </p:spPr>
+      </p:pic>
+      <p:pic>
+        <p:nvPicPr>
+          <p:cNvPr id="7" name="Picture 6"/>
+          <p:cNvPicPr>
+            <a:picLocks noChangeAspect="1"/>
+          </p:cNvPicPr>
+          <p:nvPr/>
+        </p:nvPicPr>
+        <p:blipFill>
+          <a:blip r:embed="rId3"/>
+          <a:stretch>
+            <a:fillRect/>
+          </a:stretch>
+        </p:blipFill>
+        <p:spPr>
+          <a:xfrm>
+            <a:off x="6274557" y="1020954"/>
+            <a:ext cx="5633726" cy="4342898"/>
+          </a:xfrm>
+          <a:prstGeom prst="rect">
+            <a:avLst/>
+          </a:prstGeom>
+        </p:spPr>
+      </p:pic>
       <p:sp>
         <p:nvSpPr>
           <p:cNvPr id="3" name="TextBox 2"/>
@@ -7007,8 +7277,8 @@
         </p:nvSpPr>
         <p:spPr>
           <a:xfrm>
-            <a:off x="716437" y="1659118"/>
-            <a:ext cx="9945278" cy="923330"/>
+            <a:off x="461912" y="5844619"/>
+            <a:ext cx="11446371" cy="646331"/>
           </a:xfrm>
           <a:prstGeom prst="rect">
             <a:avLst/>
@@ -7022,13 +7292,11 @@
           <a:lstStyle/>
           <a:p>
             <a:r>
-              <a:rPr lang="en-GB" dirty="0" smtClean="0"/>
-              <a:t>Number of accidents decrease </a:t>
-            </a:r>
-            <a:r>
               <a:rPr lang="en-GB" dirty="0"/>
-              <a:t>as the number of engines increases, which could be due to the fact that larger aircraft with more engines have more safety measures and are used in more controlled conditions.</a:t>
-            </a:r>
+              <a:t>Model 152, 172 and 172N have relatively very high incidents hence I can term them as riskier.</a:t>
+            </a:r>
+          </a:p>
+          <a:p>
             <a:endParaRPr lang="en-GB" dirty="0"/>
           </a:p>
         </p:txBody>
@@ -7036,7 +7304,7 @@
     </p:spTree>
     <p:extLst>
       <p:ext uri="{BB962C8B-B14F-4D97-AF65-F5344CB8AC3E}">
-        <p14:creationId xmlns:p14="http://schemas.microsoft.com/office/powerpoint/2010/main" val="932309939"/>
+        <p14:creationId xmlns:p14="http://schemas.microsoft.com/office/powerpoint/2010/main" val="241152898"/>
       </p:ext>
     </p:extLst>
   </p:cSld>
@@ -7078,8 +7346,8 @@
         </p:nvSpPr>
         <p:spPr>
           <a:xfrm>
-            <a:off x="461913" y="339365"/>
-            <a:ext cx="6249972" cy="461665"/>
+            <a:off x="461912" y="339365"/>
+            <a:ext cx="10680569" cy="523220"/>
           </a:xfrm>
           <a:prstGeom prst="rect">
             <a:avLst/>
@@ -7093,8 +7361,8 @@
           <a:lstStyle/>
           <a:p>
             <a:r>
-              <a:rPr lang="en-GB" sz="2400" b="1" dirty="0"/>
-              <a:t>Aircraft Damage Distribution</a:t>
+              <a:rPr lang="en-GB" sz="2800" b="1" dirty="0"/>
+              <a:t>Trend of Plane Accidents Over Time</a:t>
             </a:r>
           </a:p>
         </p:txBody>
@@ -7115,18 +7383,48 @@
         </p:blipFill>
         <p:spPr>
           <a:xfrm>
-            <a:off x="629480" y="846886"/>
-            <a:ext cx="10126504" cy="5725649"/>
+            <a:off x="325376" y="967922"/>
+            <a:ext cx="6939715" cy="4584466"/>
           </a:xfrm>
           <a:prstGeom prst="rect">
             <a:avLst/>
           </a:prstGeom>
         </p:spPr>
       </p:pic>
+      <p:sp>
+        <p:nvSpPr>
+          <p:cNvPr id="3" name="TextBox 2"/>
+          <p:cNvSpPr txBox="1"/>
+          <p:nvPr/>
+        </p:nvSpPr>
+        <p:spPr>
+          <a:xfrm>
+            <a:off x="7409468" y="967922"/>
+            <a:ext cx="4782532" cy="1477328"/>
+          </a:xfrm>
+          <a:prstGeom prst="rect">
+            <a:avLst/>
+          </a:prstGeom>
+          <a:noFill/>
+        </p:spPr>
+        <p:txBody>
+          <a:bodyPr wrap="square" rtlCol="0">
+            <a:spAutoFit/>
+          </a:bodyPr>
+          <a:lstStyle/>
+          <a:p>
+            <a:r>
+              <a:rPr lang="en-GB"/>
+              <a:t>From the graph above, I can conclude that plane accidents have been reducing over the last Forty years despite us knowing that there has been a significant increase in the number of flights</a:t>
+            </a:r>
+            <a:endParaRPr lang="en-GB" dirty="0"/>
+          </a:p>
+        </p:txBody>
+      </p:sp>
     </p:spTree>
     <p:extLst>
       <p:ext uri="{BB962C8B-B14F-4D97-AF65-F5344CB8AC3E}">
-        <p14:creationId xmlns:p14="http://schemas.microsoft.com/office/powerpoint/2010/main" val="30428494"/>
+        <p14:creationId xmlns:p14="http://schemas.microsoft.com/office/powerpoint/2010/main" val="4279719092"/>
       </p:ext>
     </p:extLst>
   </p:cSld>
@@ -7168,8 +7466,8 @@
         </p:nvSpPr>
         <p:spPr>
           <a:xfrm>
-            <a:off x="461913" y="339365"/>
-            <a:ext cx="6249972" cy="461665"/>
+            <a:off x="461912" y="339365"/>
+            <a:ext cx="11500701" cy="584775"/>
           </a:xfrm>
           <a:prstGeom prst="rect">
             <a:avLst/>
@@ -7183,13 +7481,36 @@
           <a:lstStyle/>
           <a:p>
             <a:r>
-              <a:rPr lang="en-GB" sz="2400" b="1" dirty="0" smtClean="0"/>
-              <a:t>Observation</a:t>
-            </a:r>
-            <a:endParaRPr lang="en-GB" sz="2400" b="1" dirty="0"/>
-          </a:p>
-        </p:txBody>
-      </p:sp>
+              <a:rPr lang="en-GB" sz="3200" b="1" dirty="0"/>
+              <a:t>Number of Accidents by Purpose of the Flight</a:t>
+            </a:r>
+          </a:p>
+        </p:txBody>
+      </p:sp>
+      <p:pic>
+        <p:nvPicPr>
+          <p:cNvPr id="4" name="Picture 3"/>
+          <p:cNvPicPr>
+            <a:picLocks noChangeAspect="1"/>
+          </p:cNvPicPr>
+          <p:nvPr/>
+        </p:nvPicPr>
+        <p:blipFill>
+          <a:blip r:embed="rId2"/>
+          <a:stretch>
+            <a:fillRect/>
+          </a:stretch>
+        </p:blipFill>
+        <p:spPr>
+          <a:xfrm>
+            <a:off x="461912" y="1090557"/>
+            <a:ext cx="6917201" cy="5102853"/>
+          </a:xfrm>
+          <a:prstGeom prst="rect">
+            <a:avLst/>
+          </a:prstGeom>
+        </p:spPr>
+      </p:pic>
       <p:sp>
         <p:nvSpPr>
           <p:cNvPr id="3" name="TextBox 2"/>
@@ -7198,8 +7519,8 @@
         </p:nvSpPr>
         <p:spPr>
           <a:xfrm>
-            <a:off x="716437" y="1659118"/>
-            <a:ext cx="9945278" cy="1200329"/>
+            <a:off x="7466029" y="1090557"/>
+            <a:ext cx="4609707" cy="4247317"/>
           </a:xfrm>
           <a:prstGeom prst="rect">
             <a:avLst/>
@@ -7214,15 +7535,18 @@
           <a:p>
             <a:r>
               <a:rPr lang="en-GB" dirty="0"/>
-              <a:t>From the chart, it can be observed that the majority of accidents result in substantial damage to the aircraft. A smaller number of accidents lead to destroyed or minor damage. The category "Unknown" has a relatively low frequency, indicating that the extent of damage is often determined and reported.</a:t>
-            </a:r>
+              <a:t>The bar graph shows the number of accidents based on the purpose of the flight. "Personal" flights have by far the highest number of incidents, with a significantly taller bar compared to all other categories. Other flight purposes, such as instructional, business, and aerial application, also have some accidents but at much lower rates. A few categories, like "Unknown" and "Public Aircraft," have fewer incidents. This suggests that personal flights are involved in the most accidents compared to other types of flights.</a:t>
+            </a:r>
+          </a:p>
+          <a:p>
+            <a:endParaRPr lang="en-GB" dirty="0"/>
           </a:p>
         </p:txBody>
       </p:sp>
     </p:spTree>
     <p:extLst>
       <p:ext uri="{BB962C8B-B14F-4D97-AF65-F5344CB8AC3E}">
-        <p14:creationId xmlns:p14="http://schemas.microsoft.com/office/powerpoint/2010/main" val="4035713104"/>
+        <p14:creationId xmlns:p14="http://schemas.microsoft.com/office/powerpoint/2010/main" val="3507433098"/>
       </p:ext>
     </p:extLst>
   </p:cSld>
@@ -7258,14 +7582,14 @@
       </p:grpSpPr>
       <p:sp>
         <p:nvSpPr>
-          <p:cNvPr id="3" name="TextBox 2"/>
+          <p:cNvPr id="2" name="TextBox 1"/>
           <p:cNvSpPr txBox="1"/>
           <p:nvPr/>
         </p:nvSpPr>
         <p:spPr>
           <a:xfrm>
             <a:off x="461913" y="339365"/>
-            <a:ext cx="11340446" cy="830997"/>
+            <a:ext cx="10803118" cy="584775"/>
           </a:xfrm>
           <a:prstGeom prst="rect">
             <a:avLst/>
@@ -7279,22 +7603,9 @@
           <a:lstStyle/>
           <a:p>
             <a:r>
-              <a:rPr lang="en-GB" sz="2400" b="1" dirty="0"/>
-              <a:t>Visualizing the Top 20 and Bottom 20 Planes Based on </a:t>
-            </a:r>
-            <a:r>
-              <a:rPr lang="en-GB" sz="2400" b="1" dirty="0" smtClean="0"/>
-              <a:t>Their Make Frequency and </a:t>
-            </a:r>
-            <a:r>
-              <a:rPr lang="en-GB" sz="2400" b="1" dirty="0"/>
-              <a:t>Their Injury </a:t>
-            </a:r>
-            <a:r>
-              <a:rPr lang="en-GB" sz="2400" b="1" dirty="0" smtClean="0"/>
-              <a:t>Severity</a:t>
-            </a:r>
-            <a:endParaRPr lang="en-GB" sz="2400" b="1" dirty="0"/>
+              <a:rPr lang="en-GB" sz="3200" b="1" dirty="0"/>
+              <a:t>Number of accidents by Weather Condition</a:t>
+            </a:r>
           </a:p>
         </p:txBody>
       </p:sp>
@@ -7314,18 +7625,90 @@
         </p:blipFill>
         <p:spPr>
           <a:xfrm>
-            <a:off x="1526077" y="1170362"/>
-            <a:ext cx="7938434" cy="5579817"/>
+            <a:off x="371401" y="924140"/>
+            <a:ext cx="6858186" cy="4995893"/>
           </a:xfrm>
           <a:prstGeom prst="rect">
             <a:avLst/>
           </a:prstGeom>
         </p:spPr>
       </p:pic>
+      <p:sp>
+        <p:nvSpPr>
+          <p:cNvPr id="3" name="TextBox 2"/>
+          <p:cNvSpPr txBox="1"/>
+          <p:nvPr/>
+        </p:nvSpPr>
+        <p:spPr>
+          <a:xfrm>
+            <a:off x="7315200" y="1046375"/>
+            <a:ext cx="4666268" cy="2585323"/>
+          </a:xfrm>
+          <a:prstGeom prst="rect">
+            <a:avLst/>
+          </a:prstGeom>
+          <a:noFill/>
+        </p:spPr>
+        <p:txBody>
+          <a:bodyPr wrap="square" rtlCol="0">
+            <a:spAutoFit/>
+          </a:bodyPr>
+          <a:lstStyle/>
+          <a:p>
+            <a:r>
+              <a:rPr lang="en-GB" dirty="0"/>
+              <a:t>Many accidents tend to happen in Visual Metrological Conditions ( </a:t>
+            </a:r>
+            <a:r>
+              <a:rPr lang="en-GB" i="1" dirty="0"/>
+              <a:t>VMC</a:t>
+            </a:r>
+            <a:r>
+              <a:rPr lang="en-GB" dirty="0"/>
+              <a:t>) where the pilots are advised to fly by sight compared to the Instrumental Metrological Conditions (</a:t>
+            </a:r>
+            <a:r>
+              <a:rPr lang="en-GB" i="1" dirty="0"/>
+              <a:t>IMS</a:t>
+            </a:r>
+            <a:r>
+              <a:rPr lang="en-GB" dirty="0"/>
+              <a:t>) where the pilots are required to use the instruments due to limited visibility. Both (</a:t>
+            </a:r>
+            <a:r>
+              <a:rPr lang="en-GB" i="1" dirty="0"/>
+              <a:t>UNK</a:t>
+            </a:r>
+            <a:r>
+              <a:rPr lang="en-GB" dirty="0"/>
+              <a:t>) and (</a:t>
+            </a:r>
+            <a:r>
+              <a:rPr lang="en-GB" i="1" dirty="0" err="1"/>
+              <a:t>unk</a:t>
+            </a:r>
+            <a:r>
+              <a:rPr lang="en-GB" dirty="0"/>
+              <a:t>) represents </a:t>
+            </a:r>
+            <a:r>
+              <a:rPr lang="en-GB" b="1" dirty="0"/>
+              <a:t>unknown data</a:t>
+            </a:r>
+            <a:r>
+              <a:rPr lang="en-GB" dirty="0"/>
+              <a:t>.</a:t>
+            </a:r>
+          </a:p>
+          <a:p>
+            <a:endParaRPr lang="en-GB" dirty="0"/>
+          </a:p>
+        </p:txBody>
+      </p:sp>
     </p:spTree>
     <p:extLst>
       <p:ext uri="{BB962C8B-B14F-4D97-AF65-F5344CB8AC3E}">
-        <p14:creationId xmlns:p14="http://schemas.microsoft.com/office/powerpoint/2010/main" val="1783070088"/>
+        <p14:creationId xmlns:p14="http://schemas.microsoft.com/office/powerpoint/2010/main" val="2358607346"/>
       </p:ext>
     </p:extLst>
   </p:cSld>
@@ -7513,7 +7896,7 @@
         <p:spPr>
           <a:xfrm>
             <a:off x="461913" y="339365"/>
-            <a:ext cx="6249972" cy="461665"/>
+            <a:ext cx="6249972" cy="584775"/>
           </a:xfrm>
           <a:prstGeom prst="rect">
             <a:avLst/>
@@ -7527,10 +7910,9 @@
           <a:lstStyle/>
           <a:p>
             <a:r>
-              <a:rPr lang="en-GB" sz="2400" b="1" dirty="0" smtClean="0"/>
-              <a:t>Observation</a:t>
-            </a:r>
-            <a:endParaRPr lang="en-GB" sz="2400" b="1" dirty="0"/>
+              <a:rPr lang="en-GB" sz="3200" b="1" dirty="0"/>
+              <a:t>CONCLUSION</a:t>
+            </a:r>
           </a:p>
         </p:txBody>
       </p:sp>
@@ -7542,8 +7924,8 @@
         </p:nvSpPr>
         <p:spPr>
           <a:xfrm>
-            <a:off x="716437" y="1659118"/>
-            <a:ext cx="9945278" cy="1200329"/>
+            <a:off x="358219" y="1036947"/>
+            <a:ext cx="11613822" cy="2862322"/>
           </a:xfrm>
           <a:prstGeom prst="rect">
             <a:avLst/>
@@ -7556,25 +7938,27 @@
           </a:bodyPr>
           <a:lstStyle/>
           <a:p>
+            <a:r>
+              <a:rPr lang="en-GB" dirty="0" smtClean="0"/>
+              <a:t>From </a:t>
+            </a:r>
+            <a:r>
+              <a:rPr lang="en-GB" dirty="0"/>
+              <a:t>my analysis, I have come up with the following observations:</a:t>
+            </a:r>
+          </a:p>
+          <a:p>
             <a:pPr marL="342900" indent="-342900">
               <a:buFont typeface="+mj-lt"/>
               <a:buAutoNum type="arabicPeriod"/>
             </a:pPr>
             <a:r>
               <a:rPr lang="en-GB" b="1" dirty="0"/>
-              <a:t>Cessna</a:t>
+              <a:t>Aircraft Make</a:t>
             </a:r>
             <a:r>
               <a:rPr lang="en-GB" dirty="0"/>
-              <a:t> and </a:t>
-            </a:r>
-            <a:r>
-              <a:rPr lang="en-GB" b="1" dirty="0"/>
-              <a:t>Piper</a:t>
-            </a:r>
-            <a:r>
-              <a:rPr lang="en-GB" dirty="0"/>
-              <a:t> are highly represented in the data set with most non-fatal incidents.</a:t>
+              <a:t>: Some aircraft models have higher accident rates with Cessna, Piper, and Beech being on top each with over 5000 cases.</a:t>
             </a:r>
           </a:p>
           <a:p>
@@ -7583,16 +7967,12 @@
               <a:buAutoNum type="arabicPeriod"/>
             </a:pPr>
             <a:r>
+              <a:rPr lang="en-GB" b="1" dirty="0"/>
+              <a:t>Number of Engines</a:t>
+            </a:r>
+            <a:r>
               <a:rPr lang="en-GB" dirty="0"/>
-              <a:t>For the least frequent planes, most incidents are reported as </a:t>
-            </a:r>
-            <a:r>
-              <a:rPr lang="en-GB" b="1" dirty="0"/>
-              <a:t>minor injuries</a:t>
-            </a:r>
-            <a:r>
-              <a:rPr lang="en-GB" dirty="0"/>
-              <a:t>.</a:t>
+              <a:t>: Single-engine aircraft are riskier than those with multiple engines. This might be caused by a lack of a backup in case of an engine failure which is something common with aircraft.</a:t>
             </a:r>
           </a:p>
           <a:p>
@@ -7602,19 +7982,47 @@
             </a:pPr>
             <a:r>
               <a:rPr lang="en-GB" b="1" dirty="0"/>
-              <a:t>Fatalities</a:t>
+              <a:t>Engine Type</a:t>
             </a:r>
             <a:r>
               <a:rPr lang="en-GB" dirty="0"/>
-              <a:t> are more prominent in frequently used aircraft, but </a:t>
-            </a:r>
+              <a:t>: Aircraft with reciprocating engines have recorded more accidents and can be considered riskier.</a:t>
+            </a:r>
+          </a:p>
+          <a:p>
+            <a:pPr marL="342900" indent="-342900">
+              <a:buFont typeface="+mj-lt"/>
+              <a:buAutoNum type="arabicPeriod"/>
+            </a:pPr>
             <a:r>
               <a:rPr lang="en-GB" b="1" dirty="0"/>
-              <a:t>minor injuries</a:t>
+              <a:t>Purpose of Flight</a:t>
             </a:r>
             <a:r>
               <a:rPr lang="en-GB" dirty="0"/>
-              <a:t> dominate in less common aircraft.</a:t>
+              <a:t>: Personal and business flights often have higher accident rates. This might be caused by the fact that most of them have single engines.</a:t>
+            </a:r>
+          </a:p>
+          <a:p>
+            <a:pPr marL="342900" indent="-342900">
+              <a:buFont typeface="+mj-lt"/>
+              <a:buAutoNum type="arabicPeriod"/>
+            </a:pPr>
+            <a:r>
+              <a:rPr lang="en-GB" b="1" dirty="0"/>
+              <a:t>Weather Conditions</a:t>
+            </a:r>
+            <a:r>
+              <a:rPr lang="en-GB" dirty="0"/>
+              <a:t>: Flying in clear weather </a:t>
+            </a:r>
+            <a:r>
+              <a:rPr lang="en-GB" i="1" dirty="0"/>
+              <a:t>(Visual Metrological Conditions(VMC))</a:t>
+            </a:r>
+            <a:r>
+              <a:rPr lang="en-GB" dirty="0"/>
+              <a:t> can still have risks.</a:t>
             </a:r>
           </a:p>
         </p:txBody>
@@ -7622,7 +8030,7 @@
     </p:spTree>
     <p:extLst>
       <p:ext uri="{BB962C8B-B14F-4D97-AF65-F5344CB8AC3E}">
-        <p14:creationId xmlns:p14="http://schemas.microsoft.com/office/powerpoint/2010/main" val="3465744173"/>
+        <p14:creationId xmlns:p14="http://schemas.microsoft.com/office/powerpoint/2010/main" val="4067632690"/>
       </p:ext>
     </p:extLst>
   </p:cSld>
@@ -7664,8 +8072,8 @@
         </p:nvSpPr>
         <p:spPr>
           <a:xfrm>
-            <a:off x="461912" y="339365"/>
-            <a:ext cx="10906813" cy="584775"/>
+            <a:off x="461913" y="339365"/>
+            <a:ext cx="9558780" cy="584775"/>
           </a:xfrm>
           <a:prstGeom prst="rect">
             <a:avLst/>
@@ -7680,63 +8088,160 @@
           <a:p>
             <a:r>
               <a:rPr lang="en-GB" sz="3200" b="1" dirty="0"/>
-              <a:t>Top 20 Aircraft Models by Number of Accidents</a:t>
-            </a:r>
-          </a:p>
-        </p:txBody>
-      </p:sp>
-      <p:pic>
-        <p:nvPicPr>
-          <p:cNvPr id="6" name="Picture 5"/>
-          <p:cNvPicPr>
-            <a:picLocks noChangeAspect="1"/>
-          </p:cNvPicPr>
+              <a:t>Proposed Guides for Buying an Aircraft</a:t>
+            </a:r>
+          </a:p>
+        </p:txBody>
+      </p:sp>
+      <p:sp>
+        <p:nvSpPr>
+          <p:cNvPr id="3" name="TextBox 2"/>
+          <p:cNvSpPr txBox="1"/>
           <p:nvPr/>
-        </p:nvPicPr>
-        <p:blipFill>
-          <a:blip r:embed="rId2"/>
-          <a:stretch>
-            <a:fillRect/>
-          </a:stretch>
-        </p:blipFill>
-        <p:spPr>
-          <a:xfrm>
-            <a:off x="311083" y="1117770"/>
-            <a:ext cx="5744377" cy="4829849"/>
+        </p:nvSpPr>
+        <p:spPr>
+          <a:xfrm>
+            <a:off x="358219" y="1036947"/>
+            <a:ext cx="11613822" cy="5355312"/>
           </a:xfrm>
           <a:prstGeom prst="rect">
             <a:avLst/>
           </a:prstGeom>
-        </p:spPr>
-      </p:pic>
-      <p:pic>
-        <p:nvPicPr>
-          <p:cNvPr id="7" name="Picture 6"/>
-          <p:cNvPicPr>
-            <a:picLocks noChangeAspect="1"/>
-          </p:cNvPicPr>
-          <p:nvPr/>
-        </p:nvPicPr>
-        <p:blipFill>
-          <a:blip r:embed="rId3"/>
-          <a:stretch>
-            <a:fillRect/>
-          </a:stretch>
-        </p:blipFill>
-        <p:spPr>
-          <a:xfrm>
-            <a:off x="6274557" y="1020954"/>
-            <a:ext cx="5633726" cy="5023479"/>
-          </a:xfrm>
-          <a:prstGeom prst="rect">
-            <a:avLst/>
-          </a:prstGeom>
-        </p:spPr>
-      </p:pic>
+          <a:noFill/>
+        </p:spPr>
+        <p:txBody>
+          <a:bodyPr wrap="square" rtlCol="0">
+            <a:spAutoFit/>
+          </a:bodyPr>
+          <a:lstStyle/>
+          <a:p>
+            <a:pPr marL="342900" indent="-342900">
+              <a:buFont typeface="+mj-lt"/>
+              <a:buAutoNum type="arabicPeriod"/>
+            </a:pPr>
+            <a:r>
+              <a:rPr lang="en-GB" b="1" dirty="0" smtClean="0"/>
+              <a:t>Choose </a:t>
+            </a:r>
+            <a:r>
+              <a:rPr lang="en-GB" b="1" dirty="0"/>
+              <a:t>Multi-Engine Aircraft</a:t>
+            </a:r>
+            <a:r>
+              <a:rPr lang="en-GB" dirty="0"/>
+              <a:t>: Buy planes with two or more engines to lower the risk of engine failure and in case of an engine failure there can be a backup.</a:t>
+            </a:r>
+          </a:p>
+          <a:p>
+            <a:pPr marL="342900" indent="-342900">
+              <a:buFont typeface="+mj-lt"/>
+              <a:buAutoNum type="arabicPeriod"/>
+            </a:pPr>
+            <a:r>
+              <a:rPr lang="en-GB" b="1" dirty="0"/>
+              <a:t>Consider Turbo Jet Engines</a:t>
+            </a:r>
+            <a:r>
+              <a:rPr lang="en-GB" dirty="0"/>
+              <a:t>: Jet engines may cost more but usually have fewer accidents than reciprocating engines.</a:t>
+            </a:r>
+          </a:p>
+          <a:p>
+            <a:pPr marL="342900" indent="-342900">
+              <a:buFont typeface="+mj-lt"/>
+              <a:buAutoNum type="arabicPeriod"/>
+            </a:pPr>
+            <a:r>
+              <a:rPr lang="en-GB" b="1" dirty="0"/>
+              <a:t>Avoid High-Risk Models</a:t>
+            </a:r>
+            <a:r>
+              <a:rPr lang="en-GB" dirty="0"/>
+              <a:t>: From the analysis, some aircraft models tend to pose more risk with Model 152, 172 and 172N having relatively very high incidents hence I can term them as riskier.</a:t>
+            </a:r>
+          </a:p>
+          <a:p>
+            <a:pPr marL="342900" indent="-342900">
+              <a:buFont typeface="+mj-lt"/>
+              <a:buAutoNum type="arabicPeriod"/>
+            </a:pPr>
+            <a:r>
+              <a:rPr lang="en-GB" b="1" dirty="0"/>
+              <a:t>Focusing on Commercial and Cargo Flights</a:t>
+            </a:r>
+            <a:r>
+              <a:rPr lang="en-GB" dirty="0"/>
+              <a:t>: These types of operations generally have fewer accidents compared to personal or business flights.</a:t>
+            </a:r>
+          </a:p>
+          <a:p>
+            <a:pPr marL="342900" indent="-342900">
+              <a:buFont typeface="+mj-lt"/>
+              <a:buAutoNum type="arabicPeriod"/>
+            </a:pPr>
+            <a:r>
+              <a:rPr lang="en-GB" b="1" dirty="0"/>
+              <a:t>Monitor Weather</a:t>
+            </a:r>
+            <a:r>
+              <a:rPr lang="en-GB" dirty="0"/>
+              <a:t>: The company can invest more in weather monitoring tools as well as improving the pilots' skills since from the analysis where I was comparing the weather conditions and their relative number of accidents, I noted that many accidents occurred in the </a:t>
+            </a:r>
+            <a:r>
+              <a:rPr lang="en-GB" i="1" dirty="0"/>
+              <a:t>(Visual Metrological Conditions(VMC))</a:t>
+            </a:r>
+            <a:r>
+              <a:rPr lang="en-GB" dirty="0"/>
+              <a:t> where the pilots are advised to fly by sight compared to </a:t>
+            </a:r>
+            <a:r>
+              <a:rPr lang="en-GB" i="1" dirty="0"/>
+              <a:t>(Instrumental Metrological Conditions (IMS))</a:t>
+            </a:r>
+            <a:r>
+              <a:rPr lang="en-GB" dirty="0"/>
+              <a:t> where the pilots use weather monitoring tools.</a:t>
+            </a:r>
+          </a:p>
+          <a:p>
+            <a:pPr marL="342900" indent="-342900">
+              <a:buFont typeface="+mj-lt"/>
+              <a:buAutoNum type="arabicPeriod"/>
+            </a:pPr>
+            <a:r>
+              <a:rPr lang="en-GB" b="1" dirty="0"/>
+              <a:t>Maintain Aircraft Carefully</a:t>
+            </a:r>
+            <a:r>
+              <a:rPr lang="en-GB" dirty="0"/>
+              <a:t>: I propose this because, having some aircraft with only a single engine, hence no backups, requires a fully functional engine and this can be achieved by regular inspections to make sure everything is well.</a:t>
+            </a:r>
+          </a:p>
+          <a:p>
+            <a:pPr marL="342900" indent="-342900">
+              <a:buFont typeface="+mj-lt"/>
+              <a:buAutoNum type="arabicPeriod"/>
+            </a:pPr>
+            <a:r>
+              <a:rPr lang="en-GB" b="1" dirty="0" smtClean="0"/>
+              <a:t>Acquire </a:t>
+            </a:r>
+            <a:r>
+              <a:rPr lang="en-GB" b="1" dirty="0"/>
+              <a:t>Insurance</a:t>
+            </a:r>
+            <a:r>
+              <a:rPr lang="en-GB" dirty="0"/>
+              <a:t>: From the analysis, some aircraft are damaged, some have substantial damage and others have minor damage. These damages can be costly to repair and in case of any serious injuries from those on board, the treatment too can be costly hence getting insurance is advised.</a:t>
+            </a:r>
+          </a:p>
+        </p:txBody>
+      </p:sp>
     </p:spTree>
     <p:extLst>
       <p:ext uri="{BB962C8B-B14F-4D97-AF65-F5344CB8AC3E}">
-        <p14:creationId xmlns:p14="http://schemas.microsoft.com/office/powerpoint/2010/main" val="241152898"/>
+        <p14:creationId xmlns:p14="http://schemas.microsoft.com/office/powerpoint/2010/main" val="2411438400"/>
       </p:ext>
     </p:extLst>
   </p:cSld>
@@ -7778,8 +8283,8 @@
         </p:nvSpPr>
         <p:spPr>
           <a:xfrm>
-            <a:off x="461913" y="339365"/>
-            <a:ext cx="6249972" cy="461665"/>
+            <a:off x="2997722" y="2498100"/>
+            <a:ext cx="6466789" cy="1323439"/>
           </a:xfrm>
           <a:prstGeom prst="rect">
             <a:avLst/>
@@ -7793,829 +8298,17 @@
           <a:lstStyle/>
           <a:p>
             <a:r>
-              <a:rPr lang="en-GB" sz="2400" b="1" dirty="0" smtClean="0"/>
-              <a:t>Observation</a:t>
-            </a:r>
-            <a:endParaRPr lang="en-GB" sz="2400" b="1" dirty="0"/>
-          </a:p>
-        </p:txBody>
-      </p:sp>
-      <p:sp>
-        <p:nvSpPr>
-          <p:cNvPr id="3" name="TextBox 2"/>
-          <p:cNvSpPr txBox="1"/>
-          <p:nvPr/>
-        </p:nvSpPr>
-        <p:spPr>
-          <a:xfrm>
-            <a:off x="716437" y="1659118"/>
-            <a:ext cx="9945278" cy="646331"/>
-          </a:xfrm>
-          <a:prstGeom prst="rect">
-            <a:avLst/>
-          </a:prstGeom>
-          <a:noFill/>
-        </p:spPr>
-        <p:txBody>
-          <a:bodyPr wrap="square" rtlCol="0">
-            <a:spAutoFit/>
-          </a:bodyPr>
-          <a:lstStyle/>
-          <a:p>
-            <a:r>
-              <a:rPr lang="en-GB" dirty="0"/>
-              <a:t>Model 152, 172 and 172N have relatively very high incidents hence I can term them as riskier.</a:t>
-            </a:r>
+              <a:rPr lang="en-GB" sz="8000" dirty="0" smtClean="0"/>
+              <a:t>THANK YOU. </a:t>
+            </a:r>
+            <a:endParaRPr lang="en-GB" sz="8000" dirty="0"/>
           </a:p>
         </p:txBody>
       </p:sp>
     </p:spTree>
     <p:extLst>
       <p:ext uri="{BB962C8B-B14F-4D97-AF65-F5344CB8AC3E}">
-        <p14:creationId xmlns:p14="http://schemas.microsoft.com/office/powerpoint/2010/main" val="3641644116"/>
-      </p:ext>
-    </p:extLst>
-  </p:cSld>
-  <p:clrMapOvr>
-    <a:masterClrMapping/>
-  </p:clrMapOvr>
-  <p:timing>
-    <p:tnLst>
-      <p:par>
-        <p:cTn id="1" dur="indefinite" restart="never" nodeType="tmRoot"/>
-      </p:par>
-    </p:tnLst>
-  </p:timing>
-</p:sld>
-</file>
-
-<file path=ppt/slides/slide23.xml><?xml version="1.0" encoding="utf-8"?>
-<p:sld xmlns:a="http://schemas.openxmlformats.org/drawingml/2006/main" xmlns:r="http://schemas.openxmlformats.org/officeDocument/2006/relationships" xmlns:p="http://schemas.openxmlformats.org/presentationml/2006/main">
-  <p:cSld>
-    <p:spTree>
-      <p:nvGrpSpPr>
-        <p:cNvPr id="1" name=""/>
-        <p:cNvGrpSpPr/>
-        <p:nvPr/>
-      </p:nvGrpSpPr>
-      <p:grpSpPr>
-        <a:xfrm>
-          <a:off x="0" y="0"/>
-          <a:ext cx="0" cy="0"/>
-          <a:chOff x="0" y="0"/>
-          <a:chExt cx="0" cy="0"/>
-        </a:xfrm>
-      </p:grpSpPr>
-      <p:sp>
-        <p:nvSpPr>
-          <p:cNvPr id="2" name="TextBox 1"/>
-          <p:cNvSpPr txBox="1"/>
-          <p:nvPr/>
-        </p:nvSpPr>
-        <p:spPr>
-          <a:xfrm>
-            <a:off x="461912" y="339365"/>
-            <a:ext cx="10680569" cy="523220"/>
-          </a:xfrm>
-          <a:prstGeom prst="rect">
-            <a:avLst/>
-          </a:prstGeom>
-          <a:noFill/>
-        </p:spPr>
-        <p:txBody>
-          <a:bodyPr wrap="square" rtlCol="0">
-            <a:spAutoFit/>
-          </a:bodyPr>
-          <a:lstStyle/>
-          <a:p>
-            <a:r>
-              <a:rPr lang="en-GB" sz="2800" b="1" dirty="0"/>
-              <a:t>Trend of Plane Accidents Over Time</a:t>
-            </a:r>
-          </a:p>
-        </p:txBody>
-      </p:sp>
-      <p:pic>
-        <p:nvPicPr>
-          <p:cNvPr id="4" name="Picture 3"/>
-          <p:cNvPicPr>
-            <a:picLocks noChangeAspect="1"/>
-          </p:cNvPicPr>
-          <p:nvPr/>
-        </p:nvPicPr>
-        <p:blipFill>
-          <a:blip r:embed="rId2"/>
-          <a:stretch>
-            <a:fillRect/>
-          </a:stretch>
-        </p:blipFill>
-        <p:spPr>
-          <a:xfrm>
-            <a:off x="1909079" y="1071617"/>
-            <a:ext cx="8392696" cy="5544324"/>
-          </a:xfrm>
-          <a:prstGeom prst="rect">
-            <a:avLst/>
-          </a:prstGeom>
-        </p:spPr>
-      </p:pic>
-    </p:spTree>
-    <p:extLst>
-      <p:ext uri="{BB962C8B-B14F-4D97-AF65-F5344CB8AC3E}">
-        <p14:creationId xmlns:p14="http://schemas.microsoft.com/office/powerpoint/2010/main" val="4279719092"/>
-      </p:ext>
-    </p:extLst>
-  </p:cSld>
-  <p:clrMapOvr>
-    <a:masterClrMapping/>
-  </p:clrMapOvr>
-  <p:timing>
-    <p:tnLst>
-      <p:par>
-        <p:cTn id="1" dur="indefinite" restart="never" nodeType="tmRoot"/>
-      </p:par>
-    </p:tnLst>
-  </p:timing>
-</p:sld>
-</file>
-
-<file path=ppt/slides/slide24.xml><?xml version="1.0" encoding="utf-8"?>
-<p:sld xmlns:a="http://schemas.openxmlformats.org/drawingml/2006/main" xmlns:r="http://schemas.openxmlformats.org/officeDocument/2006/relationships" xmlns:p="http://schemas.openxmlformats.org/presentationml/2006/main">
-  <p:cSld>
-    <p:spTree>
-      <p:nvGrpSpPr>
-        <p:cNvPr id="1" name=""/>
-        <p:cNvGrpSpPr/>
-        <p:nvPr/>
-      </p:nvGrpSpPr>
-      <p:grpSpPr>
-        <a:xfrm>
-          <a:off x="0" y="0"/>
-          <a:ext cx="0" cy="0"/>
-          <a:chOff x="0" y="0"/>
-          <a:chExt cx="0" cy="0"/>
-        </a:xfrm>
-      </p:grpSpPr>
-      <p:sp>
-        <p:nvSpPr>
-          <p:cNvPr id="2" name="TextBox 1"/>
-          <p:cNvSpPr txBox="1"/>
-          <p:nvPr/>
-        </p:nvSpPr>
-        <p:spPr>
-          <a:xfrm>
-            <a:off x="461913" y="339365"/>
-            <a:ext cx="6249972" cy="461665"/>
-          </a:xfrm>
-          <a:prstGeom prst="rect">
-            <a:avLst/>
-          </a:prstGeom>
-          <a:noFill/>
-        </p:spPr>
-        <p:txBody>
-          <a:bodyPr wrap="square" rtlCol="0">
-            <a:spAutoFit/>
-          </a:bodyPr>
-          <a:lstStyle/>
-          <a:p>
-            <a:r>
-              <a:rPr lang="en-GB" sz="2400" b="1" dirty="0" smtClean="0"/>
-              <a:t>Observation</a:t>
-            </a:r>
-            <a:endParaRPr lang="en-GB" sz="2400" b="1" dirty="0"/>
-          </a:p>
-        </p:txBody>
-      </p:sp>
-      <p:sp>
-        <p:nvSpPr>
-          <p:cNvPr id="3" name="TextBox 2"/>
-          <p:cNvSpPr txBox="1"/>
-          <p:nvPr/>
-        </p:nvSpPr>
-        <p:spPr>
-          <a:xfrm>
-            <a:off x="716437" y="1659118"/>
-            <a:ext cx="9945278" cy="923330"/>
-          </a:xfrm>
-          <a:prstGeom prst="rect">
-            <a:avLst/>
-          </a:prstGeom>
-          <a:noFill/>
-        </p:spPr>
-        <p:txBody>
-          <a:bodyPr wrap="square" rtlCol="0">
-            <a:spAutoFit/>
-          </a:bodyPr>
-          <a:lstStyle/>
-          <a:p>
-            <a:r>
-              <a:rPr lang="en-GB" dirty="0"/>
-              <a:t>From the graph above, I can conclude that plane accidents have been reducing over the last Forty years despite us knowing that there has been a significant increase in the number of flights</a:t>
-            </a:r>
-          </a:p>
-        </p:txBody>
-      </p:sp>
-    </p:spTree>
-    <p:extLst>
-      <p:ext uri="{BB962C8B-B14F-4D97-AF65-F5344CB8AC3E}">
-        <p14:creationId xmlns:p14="http://schemas.microsoft.com/office/powerpoint/2010/main" val="3268087387"/>
-      </p:ext>
-    </p:extLst>
-  </p:cSld>
-  <p:clrMapOvr>
-    <a:masterClrMapping/>
-  </p:clrMapOvr>
-  <p:timing>
-    <p:tnLst>
-      <p:par>
-        <p:cTn id="1" dur="indefinite" restart="never" nodeType="tmRoot"/>
-      </p:par>
-    </p:tnLst>
-  </p:timing>
-</p:sld>
-</file>
-
-<file path=ppt/slides/slide25.xml><?xml version="1.0" encoding="utf-8"?>
-<p:sld xmlns:a="http://schemas.openxmlformats.org/drawingml/2006/main" xmlns:r="http://schemas.openxmlformats.org/officeDocument/2006/relationships" xmlns:p="http://schemas.openxmlformats.org/presentationml/2006/main">
-  <p:cSld>
-    <p:spTree>
-      <p:nvGrpSpPr>
-        <p:cNvPr id="1" name=""/>
-        <p:cNvGrpSpPr/>
-        <p:nvPr/>
-      </p:nvGrpSpPr>
-      <p:grpSpPr>
-        <a:xfrm>
-          <a:off x="0" y="0"/>
-          <a:ext cx="0" cy="0"/>
-          <a:chOff x="0" y="0"/>
-          <a:chExt cx="0" cy="0"/>
-        </a:xfrm>
-      </p:grpSpPr>
-      <p:sp>
-        <p:nvSpPr>
-          <p:cNvPr id="2" name="TextBox 1"/>
-          <p:cNvSpPr txBox="1"/>
-          <p:nvPr/>
-        </p:nvSpPr>
-        <p:spPr>
-          <a:xfrm>
-            <a:off x="461912" y="339365"/>
-            <a:ext cx="11500701" cy="584775"/>
-          </a:xfrm>
-          <a:prstGeom prst="rect">
-            <a:avLst/>
-          </a:prstGeom>
-          <a:noFill/>
-        </p:spPr>
-        <p:txBody>
-          <a:bodyPr wrap="square" rtlCol="0">
-            <a:spAutoFit/>
-          </a:bodyPr>
-          <a:lstStyle/>
-          <a:p>
-            <a:r>
-              <a:rPr lang="en-GB" sz="3200" b="1" dirty="0"/>
-              <a:t>Number of Accidents by Purpose of the Flight</a:t>
-            </a:r>
-          </a:p>
-        </p:txBody>
-      </p:sp>
-      <p:pic>
-        <p:nvPicPr>
-          <p:cNvPr id="4" name="Picture 3"/>
-          <p:cNvPicPr>
-            <a:picLocks noChangeAspect="1"/>
-          </p:cNvPicPr>
-          <p:nvPr/>
-        </p:nvPicPr>
-        <p:blipFill>
-          <a:blip r:embed="rId2"/>
-          <a:stretch>
-            <a:fillRect/>
-          </a:stretch>
-        </p:blipFill>
-        <p:spPr>
-          <a:xfrm>
-            <a:off x="1756557" y="1099984"/>
-            <a:ext cx="7492237" cy="5527060"/>
-          </a:xfrm>
-          <a:prstGeom prst="rect">
-            <a:avLst/>
-          </a:prstGeom>
-        </p:spPr>
-      </p:pic>
-    </p:spTree>
-    <p:extLst>
-      <p:ext uri="{BB962C8B-B14F-4D97-AF65-F5344CB8AC3E}">
-        <p14:creationId xmlns:p14="http://schemas.microsoft.com/office/powerpoint/2010/main" val="3507433098"/>
-      </p:ext>
-    </p:extLst>
-  </p:cSld>
-  <p:clrMapOvr>
-    <a:masterClrMapping/>
-  </p:clrMapOvr>
-  <p:timing>
-    <p:tnLst>
-      <p:par>
-        <p:cTn id="1" dur="indefinite" restart="never" nodeType="tmRoot"/>
-      </p:par>
-    </p:tnLst>
-  </p:timing>
-</p:sld>
-</file>
-
-<file path=ppt/slides/slide26.xml><?xml version="1.0" encoding="utf-8"?>
-<p:sld xmlns:a="http://schemas.openxmlformats.org/drawingml/2006/main" xmlns:r="http://schemas.openxmlformats.org/officeDocument/2006/relationships" xmlns:p="http://schemas.openxmlformats.org/presentationml/2006/main">
-  <p:cSld>
-    <p:spTree>
-      <p:nvGrpSpPr>
-        <p:cNvPr id="1" name=""/>
-        <p:cNvGrpSpPr/>
-        <p:nvPr/>
-      </p:nvGrpSpPr>
-      <p:grpSpPr>
-        <a:xfrm>
-          <a:off x="0" y="0"/>
-          <a:ext cx="0" cy="0"/>
-          <a:chOff x="0" y="0"/>
-          <a:chExt cx="0" cy="0"/>
-        </a:xfrm>
-      </p:grpSpPr>
-      <p:sp>
-        <p:nvSpPr>
-          <p:cNvPr id="2" name="TextBox 1"/>
-          <p:cNvSpPr txBox="1"/>
-          <p:nvPr/>
-        </p:nvSpPr>
-        <p:spPr>
-          <a:xfrm>
-            <a:off x="461913" y="339365"/>
-            <a:ext cx="6249972" cy="461665"/>
-          </a:xfrm>
-          <a:prstGeom prst="rect">
-            <a:avLst/>
-          </a:prstGeom>
-          <a:noFill/>
-        </p:spPr>
-        <p:txBody>
-          <a:bodyPr wrap="square" rtlCol="0">
-            <a:spAutoFit/>
-          </a:bodyPr>
-          <a:lstStyle/>
-          <a:p>
-            <a:r>
-              <a:rPr lang="en-GB" sz="2400" b="1" dirty="0" smtClean="0"/>
-              <a:t>Observation</a:t>
-            </a:r>
-            <a:endParaRPr lang="en-GB" sz="2400" b="1" dirty="0"/>
-          </a:p>
-        </p:txBody>
-      </p:sp>
-      <p:sp>
-        <p:nvSpPr>
-          <p:cNvPr id="3" name="TextBox 2"/>
-          <p:cNvSpPr txBox="1"/>
-          <p:nvPr/>
-        </p:nvSpPr>
-        <p:spPr>
-          <a:xfrm>
-            <a:off x="716437" y="1659118"/>
-            <a:ext cx="9945278" cy="1754326"/>
-          </a:xfrm>
-          <a:prstGeom prst="rect">
-            <a:avLst/>
-          </a:prstGeom>
-          <a:noFill/>
-        </p:spPr>
-        <p:txBody>
-          <a:bodyPr wrap="square" rtlCol="0">
-            <a:spAutoFit/>
-          </a:bodyPr>
-          <a:lstStyle/>
-          <a:p>
-            <a:r>
-              <a:rPr lang="en-GB" dirty="0"/>
-              <a:t>The bar </a:t>
-            </a:r>
-            <a:r>
-              <a:rPr lang="en-GB" dirty="0" smtClean="0"/>
-              <a:t>graph </a:t>
-            </a:r>
-            <a:r>
-              <a:rPr lang="en-GB" dirty="0"/>
-              <a:t>shows the number of accidents based on the purpose of the flight. "Personal" flights have by far the highest number of incidents, with a significantly taller bar compared to all other categories. Other flight purposes, such as instructional, business, and aerial application, also have some accidents but at much lower rates. A few categories, like "Unknown" and "Public Aircraft," have fewer incidents. This suggests that personal flights are involved in the most accidents compared to other types of flights.</a:t>
-            </a:r>
-          </a:p>
-        </p:txBody>
-      </p:sp>
-    </p:spTree>
-    <p:extLst>
-      <p:ext uri="{BB962C8B-B14F-4D97-AF65-F5344CB8AC3E}">
-        <p14:creationId xmlns:p14="http://schemas.microsoft.com/office/powerpoint/2010/main" val="2668999135"/>
-      </p:ext>
-    </p:extLst>
-  </p:cSld>
-  <p:clrMapOvr>
-    <a:masterClrMapping/>
-  </p:clrMapOvr>
-  <p:timing>
-    <p:tnLst>
-      <p:par>
-        <p:cTn id="1" dur="indefinite" restart="never" nodeType="tmRoot"/>
-      </p:par>
-    </p:tnLst>
-  </p:timing>
-</p:sld>
-</file>
-
-<file path=ppt/slides/slide27.xml><?xml version="1.0" encoding="utf-8"?>
-<p:sld xmlns:a="http://schemas.openxmlformats.org/drawingml/2006/main" xmlns:r="http://schemas.openxmlformats.org/officeDocument/2006/relationships" xmlns:p="http://schemas.openxmlformats.org/presentationml/2006/main">
-  <p:cSld>
-    <p:spTree>
-      <p:nvGrpSpPr>
-        <p:cNvPr id="1" name=""/>
-        <p:cNvGrpSpPr/>
-        <p:nvPr/>
-      </p:nvGrpSpPr>
-      <p:grpSpPr>
-        <a:xfrm>
-          <a:off x="0" y="0"/>
-          <a:ext cx="0" cy="0"/>
-          <a:chOff x="0" y="0"/>
-          <a:chExt cx="0" cy="0"/>
-        </a:xfrm>
-      </p:grpSpPr>
-      <p:sp>
-        <p:nvSpPr>
-          <p:cNvPr id="2" name="TextBox 1"/>
-          <p:cNvSpPr txBox="1"/>
-          <p:nvPr/>
-        </p:nvSpPr>
-        <p:spPr>
-          <a:xfrm>
-            <a:off x="461913" y="339365"/>
-            <a:ext cx="10803118" cy="584775"/>
-          </a:xfrm>
-          <a:prstGeom prst="rect">
-            <a:avLst/>
-          </a:prstGeom>
-          <a:noFill/>
-        </p:spPr>
-        <p:txBody>
-          <a:bodyPr wrap="square" rtlCol="0">
-            <a:spAutoFit/>
-          </a:bodyPr>
-          <a:lstStyle/>
-          <a:p>
-            <a:r>
-              <a:rPr lang="en-GB" sz="3200" b="1" dirty="0"/>
-              <a:t>Number of accidents by Weather Condition</a:t>
-            </a:r>
-          </a:p>
-        </p:txBody>
-      </p:sp>
-      <p:pic>
-        <p:nvPicPr>
-          <p:cNvPr id="5" name="Picture 4"/>
-          <p:cNvPicPr>
-            <a:picLocks noChangeAspect="1"/>
-          </p:cNvPicPr>
-          <p:nvPr/>
-        </p:nvPicPr>
-        <p:blipFill>
-          <a:blip r:embed="rId2"/>
-          <a:stretch>
-            <a:fillRect/>
-          </a:stretch>
-        </p:blipFill>
-        <p:spPr>
-          <a:xfrm>
-            <a:off x="1380069" y="924140"/>
-            <a:ext cx="7754504" cy="5648822"/>
-          </a:xfrm>
-          <a:prstGeom prst="rect">
-            <a:avLst/>
-          </a:prstGeom>
-        </p:spPr>
-      </p:pic>
-    </p:spTree>
-    <p:extLst>
-      <p:ext uri="{BB962C8B-B14F-4D97-AF65-F5344CB8AC3E}">
-        <p14:creationId xmlns:p14="http://schemas.microsoft.com/office/powerpoint/2010/main" val="2358607346"/>
-      </p:ext>
-    </p:extLst>
-  </p:cSld>
-  <p:clrMapOvr>
-    <a:masterClrMapping/>
-  </p:clrMapOvr>
-  <p:timing>
-    <p:tnLst>
-      <p:par>
-        <p:cTn id="1" dur="indefinite" restart="never" nodeType="tmRoot"/>
-      </p:par>
-    </p:tnLst>
-  </p:timing>
-</p:sld>
-</file>
-
-<file path=ppt/slides/slide28.xml><?xml version="1.0" encoding="utf-8"?>
-<p:sld xmlns:a="http://schemas.openxmlformats.org/drawingml/2006/main" xmlns:r="http://schemas.openxmlformats.org/officeDocument/2006/relationships" xmlns:p="http://schemas.openxmlformats.org/presentationml/2006/main">
-  <p:cSld>
-    <p:spTree>
-      <p:nvGrpSpPr>
-        <p:cNvPr id="1" name=""/>
-        <p:cNvGrpSpPr/>
-        <p:nvPr/>
-      </p:nvGrpSpPr>
-      <p:grpSpPr>
-        <a:xfrm>
-          <a:off x="0" y="0"/>
-          <a:ext cx="0" cy="0"/>
-          <a:chOff x="0" y="0"/>
-          <a:chExt cx="0" cy="0"/>
-        </a:xfrm>
-      </p:grpSpPr>
-      <p:sp>
-        <p:nvSpPr>
-          <p:cNvPr id="2" name="TextBox 1"/>
-          <p:cNvSpPr txBox="1"/>
-          <p:nvPr/>
-        </p:nvSpPr>
-        <p:spPr>
-          <a:xfrm>
-            <a:off x="461913" y="339365"/>
-            <a:ext cx="6249972" cy="461665"/>
-          </a:xfrm>
-          <a:prstGeom prst="rect">
-            <a:avLst/>
-          </a:prstGeom>
-          <a:noFill/>
-        </p:spPr>
-        <p:txBody>
-          <a:bodyPr wrap="square" rtlCol="0">
-            <a:spAutoFit/>
-          </a:bodyPr>
-          <a:lstStyle/>
-          <a:p>
-            <a:r>
-              <a:rPr lang="en-GB" sz="2400" b="1" dirty="0" smtClean="0"/>
-              <a:t>Observation</a:t>
-            </a:r>
-            <a:endParaRPr lang="en-GB" sz="2400" b="1" dirty="0"/>
-          </a:p>
-        </p:txBody>
-      </p:sp>
-      <p:sp>
-        <p:nvSpPr>
-          <p:cNvPr id="3" name="TextBox 2"/>
-          <p:cNvSpPr txBox="1"/>
-          <p:nvPr/>
-        </p:nvSpPr>
-        <p:spPr>
-          <a:xfrm>
-            <a:off x="716437" y="1659118"/>
-            <a:ext cx="9945278" cy="1200329"/>
-          </a:xfrm>
-          <a:prstGeom prst="rect">
-            <a:avLst/>
-          </a:prstGeom>
-          <a:noFill/>
-        </p:spPr>
-        <p:txBody>
-          <a:bodyPr wrap="square" rtlCol="0">
-            <a:spAutoFit/>
-          </a:bodyPr>
-          <a:lstStyle/>
-          <a:p>
-            <a:r>
-              <a:rPr lang="en-GB" dirty="0"/>
-              <a:t>Many accidents tend to happen in Visual Metrological Conditions ( </a:t>
-            </a:r>
-            <a:r>
-              <a:rPr lang="en-GB" i="1" dirty="0"/>
-              <a:t>VMC</a:t>
-            </a:r>
-            <a:r>
-              <a:rPr lang="en-GB" dirty="0"/>
-              <a:t>) where the pilots are advised to fly by sight compared to the Instrumental Metrological Conditions (</a:t>
-            </a:r>
-            <a:r>
-              <a:rPr lang="en-GB" i="1" dirty="0"/>
-              <a:t>IMS</a:t>
-            </a:r>
-            <a:r>
-              <a:rPr lang="en-GB" dirty="0"/>
-              <a:t>) where the pilots are required to use the instruments due to limited visibility. Both (</a:t>
-            </a:r>
-            <a:r>
-              <a:rPr lang="en-GB" i="1" dirty="0"/>
-              <a:t>UNK</a:t>
-            </a:r>
-            <a:r>
-              <a:rPr lang="en-GB" dirty="0"/>
-              <a:t>) and (</a:t>
-            </a:r>
-            <a:r>
-              <a:rPr lang="en-GB" i="1" dirty="0" err="1"/>
-              <a:t>unk</a:t>
-            </a:r>
-            <a:r>
-              <a:rPr lang="en-GB" dirty="0"/>
-              <a:t>) represents </a:t>
-            </a:r>
-            <a:r>
-              <a:rPr lang="en-GB" b="1" dirty="0"/>
-              <a:t>unknown data</a:t>
-            </a:r>
-            <a:r>
-              <a:rPr lang="en-GB" dirty="0"/>
-              <a:t>.</a:t>
-            </a:r>
-          </a:p>
-        </p:txBody>
-      </p:sp>
-    </p:spTree>
-    <p:extLst>
-      <p:ext uri="{BB962C8B-B14F-4D97-AF65-F5344CB8AC3E}">
-        <p14:creationId xmlns:p14="http://schemas.microsoft.com/office/powerpoint/2010/main" val="2206890252"/>
-      </p:ext>
-    </p:extLst>
-  </p:cSld>
-  <p:clrMapOvr>
-    <a:masterClrMapping/>
-  </p:clrMapOvr>
-  <p:timing>
-    <p:tnLst>
-      <p:par>
-        <p:cTn id="1" dur="indefinite" restart="never" nodeType="tmRoot"/>
-      </p:par>
-    </p:tnLst>
-  </p:timing>
-</p:sld>
-</file>
-
-<file path=ppt/slides/slide29.xml><?xml version="1.0" encoding="utf-8"?>
-<p:sld xmlns:a="http://schemas.openxmlformats.org/drawingml/2006/main" xmlns:r="http://schemas.openxmlformats.org/officeDocument/2006/relationships" xmlns:p="http://schemas.openxmlformats.org/presentationml/2006/main">
-  <p:cSld>
-    <p:spTree>
-      <p:nvGrpSpPr>
-        <p:cNvPr id="1" name=""/>
-        <p:cNvGrpSpPr/>
-        <p:nvPr/>
-      </p:nvGrpSpPr>
-      <p:grpSpPr>
-        <a:xfrm>
-          <a:off x="0" y="0"/>
-          <a:ext cx="0" cy="0"/>
-          <a:chOff x="0" y="0"/>
-          <a:chExt cx="0" cy="0"/>
-        </a:xfrm>
-      </p:grpSpPr>
-      <p:sp>
-        <p:nvSpPr>
-          <p:cNvPr id="2" name="TextBox 1"/>
-          <p:cNvSpPr txBox="1"/>
-          <p:nvPr/>
-        </p:nvSpPr>
-        <p:spPr>
-          <a:xfrm>
-            <a:off x="461913" y="339365"/>
-            <a:ext cx="6249972" cy="584775"/>
-          </a:xfrm>
-          <a:prstGeom prst="rect">
-            <a:avLst/>
-          </a:prstGeom>
-          <a:noFill/>
-        </p:spPr>
-        <p:txBody>
-          <a:bodyPr wrap="square" rtlCol="0">
-            <a:spAutoFit/>
-          </a:bodyPr>
-          <a:lstStyle/>
-          <a:p>
-            <a:r>
-              <a:rPr lang="en-GB" sz="3200" b="1" dirty="0"/>
-              <a:t>CONCLUSION</a:t>
-            </a:r>
-          </a:p>
-        </p:txBody>
-      </p:sp>
-      <p:sp>
-        <p:nvSpPr>
-          <p:cNvPr id="3" name="TextBox 2"/>
-          <p:cNvSpPr txBox="1"/>
-          <p:nvPr/>
-        </p:nvSpPr>
-        <p:spPr>
-          <a:xfrm>
-            <a:off x="358219" y="1036947"/>
-            <a:ext cx="11613822" cy="2862322"/>
-          </a:xfrm>
-          <a:prstGeom prst="rect">
-            <a:avLst/>
-          </a:prstGeom>
-          <a:noFill/>
-        </p:spPr>
-        <p:txBody>
-          <a:bodyPr wrap="square" rtlCol="0">
-            <a:spAutoFit/>
-          </a:bodyPr>
-          <a:lstStyle/>
-          <a:p>
-            <a:r>
-              <a:rPr lang="en-GB" dirty="0" smtClean="0"/>
-              <a:t>From </a:t>
-            </a:r>
-            <a:r>
-              <a:rPr lang="en-GB" dirty="0"/>
-              <a:t>my analysis, I have come up with the following observations:</a:t>
-            </a:r>
-          </a:p>
-          <a:p>
-            <a:pPr marL="342900" indent="-342900">
-              <a:buFont typeface="+mj-lt"/>
-              <a:buAutoNum type="arabicPeriod"/>
-            </a:pPr>
-            <a:r>
-              <a:rPr lang="en-GB" b="1" dirty="0"/>
-              <a:t>Aircraft Make</a:t>
-            </a:r>
-            <a:r>
-              <a:rPr lang="en-GB" dirty="0"/>
-              <a:t>: Some aircraft models have higher accident rates with Cessna, Piper, and Beech being on top each with over 5000 cases.</a:t>
-            </a:r>
-          </a:p>
-          <a:p>
-            <a:pPr marL="342900" indent="-342900">
-              <a:buFont typeface="+mj-lt"/>
-              <a:buAutoNum type="arabicPeriod"/>
-            </a:pPr>
-            <a:r>
-              <a:rPr lang="en-GB" b="1" dirty="0"/>
-              <a:t>Number of Engines</a:t>
-            </a:r>
-            <a:r>
-              <a:rPr lang="en-GB" dirty="0"/>
-              <a:t>: Single-engine aircraft are riskier than those with multiple engines. This might be caused by a lack of a backup in case of an engine failure which is something common with aircraft.</a:t>
-            </a:r>
-          </a:p>
-          <a:p>
-            <a:pPr marL="342900" indent="-342900">
-              <a:buFont typeface="+mj-lt"/>
-              <a:buAutoNum type="arabicPeriod"/>
-            </a:pPr>
-            <a:r>
-              <a:rPr lang="en-GB" b="1" dirty="0"/>
-              <a:t>Engine Type</a:t>
-            </a:r>
-            <a:r>
-              <a:rPr lang="en-GB" dirty="0"/>
-              <a:t>: Aircraft with reciprocating engines have recorded more accidents and can be considered riskier.</a:t>
-            </a:r>
-          </a:p>
-          <a:p>
-            <a:pPr marL="342900" indent="-342900">
-              <a:buFont typeface="+mj-lt"/>
-              <a:buAutoNum type="arabicPeriod"/>
-            </a:pPr>
-            <a:r>
-              <a:rPr lang="en-GB" b="1" dirty="0"/>
-              <a:t>Purpose of Flight</a:t>
-            </a:r>
-            <a:r>
-              <a:rPr lang="en-GB" dirty="0"/>
-              <a:t>: Personal and business flights often have higher accident rates. This might be caused by the fact that most of them have single engines.</a:t>
-            </a:r>
-          </a:p>
-          <a:p>
-            <a:pPr marL="342900" indent="-342900">
-              <a:buFont typeface="+mj-lt"/>
-              <a:buAutoNum type="arabicPeriod"/>
-            </a:pPr>
-            <a:r>
-              <a:rPr lang="en-GB" b="1" dirty="0"/>
-              <a:t>Weather Conditions</a:t>
-            </a:r>
-            <a:r>
-              <a:rPr lang="en-GB" dirty="0"/>
-              <a:t>: Flying in clear weather </a:t>
-            </a:r>
-            <a:r>
-              <a:rPr lang="en-GB" i="1" dirty="0"/>
-              <a:t>(Visual Metrological Conditions(VMC))</a:t>
-            </a:r>
-            <a:r>
-              <a:rPr lang="en-GB" dirty="0"/>
-              <a:t> can still have risks.</a:t>
-            </a:r>
-          </a:p>
-        </p:txBody>
-      </p:sp>
-    </p:spTree>
-    <p:extLst>
-      <p:ext uri="{BB962C8B-B14F-4D97-AF65-F5344CB8AC3E}">
-        <p14:creationId xmlns:p14="http://schemas.microsoft.com/office/powerpoint/2010/main" val="4067632690"/>
+        <p14:creationId xmlns:p14="http://schemas.microsoft.com/office/powerpoint/2010/main" val="3591161807"/>
       </p:ext>
     </p:extLst>
   </p:cSld>
@@ -8755,285 +8448,6 @@
 </p:sld>
 </file>
 
-<file path=ppt/slides/slide30.xml><?xml version="1.0" encoding="utf-8"?>
-<p:sld xmlns:a="http://schemas.openxmlformats.org/drawingml/2006/main" xmlns:r="http://schemas.openxmlformats.org/officeDocument/2006/relationships" xmlns:p="http://schemas.openxmlformats.org/presentationml/2006/main">
-  <p:cSld>
-    <p:spTree>
-      <p:nvGrpSpPr>
-        <p:cNvPr id="1" name=""/>
-        <p:cNvGrpSpPr/>
-        <p:nvPr/>
-      </p:nvGrpSpPr>
-      <p:grpSpPr>
-        <a:xfrm>
-          <a:off x="0" y="0"/>
-          <a:ext cx="0" cy="0"/>
-          <a:chOff x="0" y="0"/>
-          <a:chExt cx="0" cy="0"/>
-        </a:xfrm>
-      </p:grpSpPr>
-      <p:sp>
-        <p:nvSpPr>
-          <p:cNvPr id="2" name="TextBox 1"/>
-          <p:cNvSpPr txBox="1"/>
-          <p:nvPr/>
-        </p:nvSpPr>
-        <p:spPr>
-          <a:xfrm>
-            <a:off x="461913" y="339365"/>
-            <a:ext cx="9558780" cy="584775"/>
-          </a:xfrm>
-          <a:prstGeom prst="rect">
-            <a:avLst/>
-          </a:prstGeom>
-          <a:noFill/>
-        </p:spPr>
-        <p:txBody>
-          <a:bodyPr wrap="square" rtlCol="0">
-            <a:spAutoFit/>
-          </a:bodyPr>
-          <a:lstStyle/>
-          <a:p>
-            <a:r>
-              <a:rPr lang="en-GB" sz="3200" b="1" dirty="0"/>
-              <a:t>Proposed Guides for Buying an Aircraft</a:t>
-            </a:r>
-            <a:endParaRPr lang="en-GB" sz="3200" b="1" dirty="0"/>
-          </a:p>
-        </p:txBody>
-      </p:sp>
-      <p:sp>
-        <p:nvSpPr>
-          <p:cNvPr id="3" name="TextBox 2"/>
-          <p:cNvSpPr txBox="1"/>
-          <p:nvPr/>
-        </p:nvSpPr>
-        <p:spPr>
-          <a:xfrm>
-            <a:off x="358219" y="1036947"/>
-            <a:ext cx="11613822" cy="5355312"/>
-          </a:xfrm>
-          <a:prstGeom prst="rect">
-            <a:avLst/>
-          </a:prstGeom>
-          <a:noFill/>
-        </p:spPr>
-        <p:txBody>
-          <a:bodyPr wrap="square" rtlCol="0">
-            <a:spAutoFit/>
-          </a:bodyPr>
-          <a:lstStyle/>
-          <a:p>
-            <a:pPr marL="342900" indent="-342900">
-              <a:buFont typeface="+mj-lt"/>
-              <a:buAutoNum type="arabicPeriod"/>
-            </a:pPr>
-            <a:r>
-              <a:rPr lang="en-GB" b="1" dirty="0" smtClean="0"/>
-              <a:t>Choose </a:t>
-            </a:r>
-            <a:r>
-              <a:rPr lang="en-GB" b="1" dirty="0"/>
-              <a:t>Multi-Engine Aircraft</a:t>
-            </a:r>
-            <a:r>
-              <a:rPr lang="en-GB" dirty="0"/>
-              <a:t>: Buy planes with two or more engines to lower the risk of engine failure and in case of an engine failure there can be a backup.</a:t>
-            </a:r>
-          </a:p>
-          <a:p>
-            <a:pPr marL="342900" indent="-342900">
-              <a:buFont typeface="+mj-lt"/>
-              <a:buAutoNum type="arabicPeriod"/>
-            </a:pPr>
-            <a:r>
-              <a:rPr lang="en-GB" b="1" dirty="0"/>
-              <a:t>Consider Turbo Jet Engines</a:t>
-            </a:r>
-            <a:r>
-              <a:rPr lang="en-GB" dirty="0"/>
-              <a:t>: Jet engines may cost more but usually have fewer accidents than reciprocating engines.</a:t>
-            </a:r>
-          </a:p>
-          <a:p>
-            <a:pPr marL="342900" indent="-342900">
-              <a:buFont typeface="+mj-lt"/>
-              <a:buAutoNum type="arabicPeriod"/>
-            </a:pPr>
-            <a:r>
-              <a:rPr lang="en-GB" b="1" dirty="0"/>
-              <a:t>Avoid High-Risk Models</a:t>
-            </a:r>
-            <a:r>
-              <a:rPr lang="en-GB" dirty="0"/>
-              <a:t>: From the analysis, some aircraft models tend to pose more risk with Model 152, 172 and 172N having relatively very high incidents hence I can term them as riskier.</a:t>
-            </a:r>
-          </a:p>
-          <a:p>
-            <a:pPr marL="342900" indent="-342900">
-              <a:buFont typeface="+mj-lt"/>
-              <a:buAutoNum type="arabicPeriod"/>
-            </a:pPr>
-            <a:r>
-              <a:rPr lang="en-GB" b="1" dirty="0"/>
-              <a:t>Focusing on Commercial and Cargo Flights</a:t>
-            </a:r>
-            <a:r>
-              <a:rPr lang="en-GB" dirty="0"/>
-              <a:t>: These types of operations generally have fewer accidents compared to personal or business flights.</a:t>
-            </a:r>
-          </a:p>
-          <a:p>
-            <a:pPr marL="342900" indent="-342900">
-              <a:buFont typeface="+mj-lt"/>
-              <a:buAutoNum type="arabicPeriod"/>
-            </a:pPr>
-            <a:r>
-              <a:rPr lang="en-GB" b="1" dirty="0"/>
-              <a:t>Monitor Weather</a:t>
-            </a:r>
-            <a:r>
-              <a:rPr lang="en-GB" dirty="0"/>
-              <a:t>: The company can invest more in weather monitoring tools as well as improving the pilots' skills since from the analysis where I was comparing the weather conditions and their relative number of accidents, I noted that many accidents occurred in the </a:t>
-            </a:r>
-            <a:r>
-              <a:rPr lang="en-GB" i="1" dirty="0"/>
-              <a:t>(Visual Metrological Conditions(VMC))</a:t>
-            </a:r>
-            <a:r>
-              <a:rPr lang="en-GB" dirty="0"/>
-              <a:t> where the pilots are advised to fly by sight compared to </a:t>
-            </a:r>
-            <a:r>
-              <a:rPr lang="en-GB" i="1" dirty="0"/>
-              <a:t>(Instrumental Metrological Conditions (IMS))</a:t>
-            </a:r>
-            <a:r>
-              <a:rPr lang="en-GB" dirty="0"/>
-              <a:t> where the pilots use weather monitoring tools.</a:t>
-            </a:r>
-          </a:p>
-          <a:p>
-            <a:pPr marL="342900" indent="-342900">
-              <a:buFont typeface="+mj-lt"/>
-              <a:buAutoNum type="arabicPeriod"/>
-            </a:pPr>
-            <a:r>
-              <a:rPr lang="en-GB" b="1" dirty="0"/>
-              <a:t>Maintain Aircraft Carefully</a:t>
-            </a:r>
-            <a:r>
-              <a:rPr lang="en-GB" dirty="0"/>
-              <a:t>: I propose this because, having some aircraft with only a single engine, hence no backups, requires a fully functional engine and this can be achieved by regular inspections to make sure everything is well.</a:t>
-            </a:r>
-          </a:p>
-          <a:p>
-            <a:pPr marL="342900" indent="-342900">
-              <a:buFont typeface="+mj-lt"/>
-              <a:buAutoNum type="arabicPeriod"/>
-            </a:pPr>
-            <a:r>
-              <a:rPr lang="en-GB" b="1" dirty="0" smtClean="0"/>
-              <a:t>Acquire </a:t>
-            </a:r>
-            <a:r>
-              <a:rPr lang="en-GB" b="1" dirty="0"/>
-              <a:t>Insurance</a:t>
-            </a:r>
-            <a:r>
-              <a:rPr lang="en-GB" dirty="0"/>
-              <a:t>: From the analysis, some aircraft are damaged, some have substantial damage and others have minor damage. These damages can be costly to repair and in case of any serious injuries from those on board, the treatment too can be costly hence getting insurance is advised.</a:t>
-            </a:r>
-          </a:p>
-        </p:txBody>
-      </p:sp>
-    </p:spTree>
-    <p:extLst>
-      <p:ext uri="{BB962C8B-B14F-4D97-AF65-F5344CB8AC3E}">
-        <p14:creationId xmlns:p14="http://schemas.microsoft.com/office/powerpoint/2010/main" val="2411438400"/>
-      </p:ext>
-    </p:extLst>
-  </p:cSld>
-  <p:clrMapOvr>
-    <a:masterClrMapping/>
-  </p:clrMapOvr>
-  <p:timing>
-    <p:tnLst>
-      <p:par>
-        <p:cTn id="1" dur="indefinite" restart="never" nodeType="tmRoot"/>
-      </p:par>
-    </p:tnLst>
-  </p:timing>
-</p:sld>
-</file>
-
-<file path=ppt/slides/slide31.xml><?xml version="1.0" encoding="utf-8"?>
-<p:sld xmlns:a="http://schemas.openxmlformats.org/drawingml/2006/main" xmlns:r="http://schemas.openxmlformats.org/officeDocument/2006/relationships" xmlns:p="http://schemas.openxmlformats.org/presentationml/2006/main">
-  <p:cSld>
-    <p:spTree>
-      <p:nvGrpSpPr>
-        <p:cNvPr id="1" name=""/>
-        <p:cNvGrpSpPr/>
-        <p:nvPr/>
-      </p:nvGrpSpPr>
-      <p:grpSpPr>
-        <a:xfrm>
-          <a:off x="0" y="0"/>
-          <a:ext cx="0" cy="0"/>
-          <a:chOff x="0" y="0"/>
-          <a:chExt cx="0" cy="0"/>
-        </a:xfrm>
-      </p:grpSpPr>
-      <p:sp>
-        <p:nvSpPr>
-          <p:cNvPr id="2" name="TextBox 1"/>
-          <p:cNvSpPr txBox="1"/>
-          <p:nvPr/>
-        </p:nvSpPr>
-        <p:spPr>
-          <a:xfrm>
-            <a:off x="2997722" y="2498100"/>
-            <a:ext cx="6466789" cy="1323439"/>
-          </a:xfrm>
-          <a:prstGeom prst="rect">
-            <a:avLst/>
-          </a:prstGeom>
-          <a:noFill/>
-        </p:spPr>
-        <p:txBody>
-          <a:bodyPr wrap="square" rtlCol="0">
-            <a:spAutoFit/>
-          </a:bodyPr>
-          <a:lstStyle/>
-          <a:p>
-            <a:r>
-              <a:rPr lang="en-GB" sz="8000" dirty="0" smtClean="0"/>
-              <a:t>THANK YOU. </a:t>
-            </a:r>
-            <a:endParaRPr lang="en-GB" sz="8000" dirty="0"/>
-          </a:p>
-        </p:txBody>
-      </p:sp>
-    </p:spTree>
-    <p:extLst>
-      <p:ext uri="{BB962C8B-B14F-4D97-AF65-F5344CB8AC3E}">
-        <p14:creationId xmlns:p14="http://schemas.microsoft.com/office/powerpoint/2010/main" val="3591161807"/>
-      </p:ext>
-    </p:extLst>
-  </p:cSld>
-  <p:clrMapOvr>
-    <a:masterClrMapping/>
-  </p:clrMapOvr>
-  <p:timing>
-    <p:tnLst>
-      <p:par>
-        <p:cTn id="1" dur="indefinite" restart="never" nodeType="tmRoot"/>
-      </p:par>
-    </p:tnLst>
-  </p:timing>
-</p:sld>
-</file>
-
 <file path=ppt/slides/slide4.xml><?xml version="1.0" encoding="utf-8"?>
 <p:sld xmlns:a="http://schemas.openxmlformats.org/drawingml/2006/main" xmlns:r="http://schemas.openxmlformats.org/officeDocument/2006/relationships" xmlns:p="http://schemas.openxmlformats.org/presentationml/2006/main">
   <p:cSld>
@@ -9119,7 +8533,6 @@
               <a:rPr lang="en-GB" sz="3200" dirty="0"/>
               <a:t>information from 1962 and later about civil aviation accidents and selected incidents within the United States, its territories and possessions, and in international waters.</a:t>
             </a:r>
-            <a:endParaRPr lang="en-GB" sz="3200" dirty="0"/>
           </a:p>
         </p:txBody>
       </p:sp>
@@ -9568,7 +8981,6 @@
               <a:rPr lang="en-GB" sz="2400" dirty="0"/>
               <a:t>, I will drop rows where any column has missing values exceeding 60% to enhance the quality of my dataset and the accuracy of my analysis.</a:t>
             </a:r>
-            <a:endParaRPr lang="en-GB" sz="2400" dirty="0"/>
           </a:p>
         </p:txBody>
       </p:sp>
@@ -9781,7 +9193,6 @@
               <a:rPr lang="en-GB" sz="4800" dirty="0"/>
               <a:t>Further cleaning</a:t>
             </a:r>
-            <a:endParaRPr lang="en-GB" sz="4800" dirty="0"/>
           </a:p>
         </p:txBody>
       </p:sp>
@@ -9955,7 +9366,6 @@
               <a:rPr lang="en-GB" sz="4000" b="1" dirty="0"/>
               <a:t>Handling missing values for the Categorical Data</a:t>
             </a:r>
-            <a:endParaRPr lang="en-GB" sz="4000" b="1" dirty="0"/>
           </a:p>
         </p:txBody>
       </p:sp>
@@ -10497,6 +9907,26 @@
 </file>
 
 <file path=customXml/item1.xml><?xml version="1.0" encoding="utf-8"?>
+<p:properties xmlns:p="http://schemas.microsoft.com/office/2006/metadata/properties" xmlns:xsi="http://www.w3.org/2001/XMLSchema-instance" xmlns:pc="http://schemas.microsoft.com/office/infopath/2007/PartnerControls">
+  <documentManagement>
+    <Status xmlns="71af3243-3dd4-4a8d-8c0d-dd76da1f02a5">Not started</Status>
+    <MediaServiceKeyPoints xmlns="71af3243-3dd4-4a8d-8c0d-dd76da1f02a5" xsi:nil="true"/>
+    <_ip_UnifiedCompliancePolicyUIAction xmlns="http://schemas.microsoft.com/sharepoint/v3" xsi:nil="true"/>
+    <Image xmlns="71af3243-3dd4-4a8d-8c0d-dd76da1f02a5">
+      <Url xsi:nil="true"/>
+      <Description xsi:nil="true"/>
+    </Image>
+    <Background xmlns="71af3243-3dd4-4a8d-8c0d-dd76da1f02a5">false</Background>
+    <_ip_UnifiedCompliancePolicyProperties xmlns="http://schemas.microsoft.com/sharepoint/v3" xsi:nil="true"/>
+    <ImageTagsTaxHTField xmlns="71af3243-3dd4-4a8d-8c0d-dd76da1f02a5">
+      <Terms xmlns="http://schemas.microsoft.com/office/infopath/2007/PartnerControls"/>
+    </ImageTagsTaxHTField>
+    <TaxCatchAll xmlns="230e9df3-be65-4c73-a93b-d1236ebd677e" xsi:nil="true"/>
+  </documentManagement>
+</p:properties>
+</file>
+
+<file path=customXml/item2.xml><?xml version="1.0" encoding="utf-8"?>
 <ct:contentTypeSchema xmlns:ct="http://schemas.microsoft.com/office/2006/metadata/contentType" xmlns:ma="http://schemas.microsoft.com/office/2006/metadata/properties/metaAttributes" ct:_="" ma:_="" ma:contentTypeName="Document" ma:contentTypeID="0x01010079F111ED35F8CC479449609E8A0923A6" ma:contentTypeVersion="27" ma:contentTypeDescription="Create a new document." ma:contentTypeScope="" ma:versionID="c6f9a84f66a9c8b9a21755b9ffafb945">
   <xsd:schema xmlns:xsd="http://www.w3.org/2001/XMLSchema" xmlns:xs="http://www.w3.org/2001/XMLSchema" xmlns:p="http://schemas.microsoft.com/office/2006/metadata/properties" xmlns:ns1="http://schemas.microsoft.com/sharepoint/v3" xmlns:ns2="71af3243-3dd4-4a8d-8c0d-dd76da1f02a5" xmlns:ns3="16c05727-aa75-4e4a-9b5f-8a80a1165891" xmlns:ns4="230e9df3-be65-4c73-a93b-d1236ebd677e" targetNamespace="http://schemas.microsoft.com/office/2006/metadata/properties" ma:root="true" ma:fieldsID="27df39e3e7036dff54f89ddd5805ce72" ns1:_="" ns2:_="" ns3:_="" ns4:_="">
     <xsd:import namespace="http://schemas.microsoft.com/sharepoint/v3"/>
@@ -10802,26 +10232,6 @@
 </ct:contentTypeSchema>
 </file>
 
-<file path=customXml/item2.xml><?xml version="1.0" encoding="utf-8"?>
-<p:properties xmlns:p="http://schemas.microsoft.com/office/2006/metadata/properties" xmlns:xsi="http://www.w3.org/2001/XMLSchema-instance" xmlns:pc="http://schemas.microsoft.com/office/infopath/2007/PartnerControls">
-  <documentManagement>
-    <Status xmlns="71af3243-3dd4-4a8d-8c0d-dd76da1f02a5">Not started</Status>
-    <MediaServiceKeyPoints xmlns="71af3243-3dd4-4a8d-8c0d-dd76da1f02a5" xsi:nil="true"/>
-    <_ip_UnifiedCompliancePolicyUIAction xmlns="http://schemas.microsoft.com/sharepoint/v3" xsi:nil="true"/>
-    <Image xmlns="71af3243-3dd4-4a8d-8c0d-dd76da1f02a5">
-      <Url xsi:nil="true"/>
-      <Description xsi:nil="true"/>
-    </Image>
-    <Background xmlns="71af3243-3dd4-4a8d-8c0d-dd76da1f02a5">false</Background>
-    <_ip_UnifiedCompliancePolicyProperties xmlns="http://schemas.microsoft.com/sharepoint/v3" xsi:nil="true"/>
-    <ImageTagsTaxHTField xmlns="71af3243-3dd4-4a8d-8c0d-dd76da1f02a5">
-      <Terms xmlns="http://schemas.microsoft.com/office/infopath/2007/PartnerControls"/>
-    </ImageTagsTaxHTField>
-    <TaxCatchAll xmlns="230e9df3-be65-4c73-a93b-d1236ebd677e" xsi:nil="true"/>
-  </documentManagement>
-</p:properties>
-</file>
-
 <file path=customXml/item3.xml><?xml version="1.0" encoding="utf-8"?>
 <?mso-contentType ?>
 <FormTemplates xmlns="http://schemas.microsoft.com/sharepoint/v3/contenttype/forms">
@@ -10832,6 +10242,25 @@
 </file>
 
 <file path=customXml/itemProps1.xml><?xml version="1.0" encoding="utf-8"?>
+<ds:datastoreItem xmlns:ds="http://schemas.openxmlformats.org/officeDocument/2006/customXml" ds:itemID="{A03EEFF0-FB57-4CB4-8BFC-DF397689E2ED}">
+  <ds:schemaRefs>
+    <ds:schemaRef ds:uri="http://purl.org/dc/elements/1.1/"/>
+    <ds:schemaRef ds:uri="http://schemas.microsoft.com/office/2006/documentManagement/types"/>
+    <ds:schemaRef ds:uri="230e9df3-be65-4c73-a93b-d1236ebd677e"/>
+    <ds:schemaRef ds:uri="http://purl.org/dc/terms/"/>
+    <ds:schemaRef ds:uri="http://purl.org/dc/dcmitype/"/>
+    <ds:schemaRef ds:uri="http://schemas.microsoft.com/office/infopath/2007/PartnerControls"/>
+    <ds:schemaRef ds:uri="http://schemas.openxmlformats.org/package/2006/metadata/core-properties"/>
+    <ds:schemaRef ds:uri="16c05727-aa75-4e4a-9b5f-8a80a1165891"/>
+    <ds:schemaRef ds:uri="http://schemas.microsoft.com/office/2006/metadata/properties"/>
+    <ds:schemaRef ds:uri="71af3243-3dd4-4a8d-8c0d-dd76da1f02a5"/>
+    <ds:schemaRef ds:uri="http://schemas.microsoft.com/sharepoint/v3"/>
+    <ds:schemaRef ds:uri="http://www.w3.org/XML/1998/namespace"/>
+  </ds:schemaRefs>
+</ds:datastoreItem>
+</file>
+
+<file path=customXml/itemProps2.xml><?xml version="1.0" encoding="utf-8"?>
 <ds:datastoreItem xmlns:ds="http://schemas.openxmlformats.org/officeDocument/2006/customXml" ds:itemID="{D2957789-34B8-480C-AF9B-3EB54B9E5C96}">
   <ds:schemaRefs>
     <ds:schemaRef ds:uri="http://schemas.microsoft.com/office/2006/metadata/contentType"/>
@@ -10852,25 +10281,6 @@
 </ds:datastoreItem>
 </file>
 
-<file path=customXml/itemProps2.xml><?xml version="1.0" encoding="utf-8"?>
-<ds:datastoreItem xmlns:ds="http://schemas.openxmlformats.org/officeDocument/2006/customXml" ds:itemID="{A03EEFF0-FB57-4CB4-8BFC-DF397689E2ED}">
-  <ds:schemaRefs>
-    <ds:schemaRef ds:uri="http://purl.org/dc/elements/1.1/"/>
-    <ds:schemaRef ds:uri="http://schemas.microsoft.com/office/2006/documentManagement/types"/>
-    <ds:schemaRef ds:uri="230e9df3-be65-4c73-a93b-d1236ebd677e"/>
-    <ds:schemaRef ds:uri="http://purl.org/dc/terms/"/>
-    <ds:schemaRef ds:uri="http://purl.org/dc/dcmitype/"/>
-    <ds:schemaRef ds:uri="http://schemas.microsoft.com/office/infopath/2007/PartnerControls"/>
-    <ds:schemaRef ds:uri="http://schemas.openxmlformats.org/package/2006/metadata/core-properties"/>
-    <ds:schemaRef ds:uri="16c05727-aa75-4e4a-9b5f-8a80a1165891"/>
-    <ds:schemaRef ds:uri="http://schemas.microsoft.com/office/2006/metadata/properties"/>
-    <ds:schemaRef ds:uri="71af3243-3dd4-4a8d-8c0d-dd76da1f02a5"/>
-    <ds:schemaRef ds:uri="http://schemas.microsoft.com/sharepoint/v3"/>
-    <ds:schemaRef ds:uri="http://www.w3.org/XML/1998/namespace"/>
-  </ds:schemaRefs>
-</ds:datastoreItem>
-</file>
-
 <file path=customXml/itemProps3.xml><?xml version="1.0" encoding="utf-8"?>
 <ds:datastoreItem xmlns:ds="http://schemas.openxmlformats.org/officeDocument/2006/customXml" ds:itemID="{AA3F7EDC-E5B4-4BBC-9D2A-CBE6D46C37AD}">
   <ds:schemaRefs>
